--- a/04-Loops.pptx
+++ b/04-Loops.pptx
@@ -14,18 +14,19 @@
     <p:sldId id="322" r:id="rId8"/>
     <p:sldId id="311" r:id="rId9"/>
     <p:sldId id="327" r:id="rId10"/>
-    <p:sldId id="314" r:id="rId11"/>
-    <p:sldId id="323" r:id="rId12"/>
-    <p:sldId id="320" r:id="rId13"/>
-    <p:sldId id="313" r:id="rId14"/>
-    <p:sldId id="328" r:id="rId15"/>
-    <p:sldId id="307" r:id="rId16"/>
-    <p:sldId id="315" r:id="rId17"/>
-    <p:sldId id="317" r:id="rId18"/>
-    <p:sldId id="316" r:id="rId19"/>
-    <p:sldId id="268" r:id="rId20"/>
-    <p:sldId id="290" r:id="rId21"/>
-    <p:sldId id="329" r:id="rId22"/>
+    <p:sldId id="330" r:id="rId11"/>
+    <p:sldId id="314" r:id="rId12"/>
+    <p:sldId id="323" r:id="rId13"/>
+    <p:sldId id="320" r:id="rId14"/>
+    <p:sldId id="313" r:id="rId15"/>
+    <p:sldId id="328" r:id="rId16"/>
+    <p:sldId id="307" r:id="rId17"/>
+    <p:sldId id="315" r:id="rId18"/>
+    <p:sldId id="317" r:id="rId19"/>
+    <p:sldId id="316" r:id="rId20"/>
+    <p:sldId id="268" r:id="rId21"/>
+    <p:sldId id="290" r:id="rId22"/>
+    <p:sldId id="329" r:id="rId23"/>
   </p:sldIdLst>
   <p:sldSz cx="9144000" cy="6858000" type="screen4x3"/>
   <p:notesSz cx="6858000" cy="9144000"/>
@@ -324,7 +325,7 @@
           <a:p>
             <a:fld id="{3EA744D9-3FBE-48D8-BF2A-85DF203E4D20}" type="datetimeFigureOut">
               <a:rPr lang="bg-BG" smtClean="0"/>
-              <a:t>10.3.2016 г.</a:t>
+              <a:t>6.10.2016 г.</a:t>
             </a:fld>
             <a:endParaRPr lang="bg-BG"/>
           </a:p>
@@ -494,7 +495,7 @@
           <a:p>
             <a:fld id="{3EA744D9-3FBE-48D8-BF2A-85DF203E4D20}" type="datetimeFigureOut">
               <a:rPr lang="bg-BG" smtClean="0"/>
-              <a:t>10.3.2016 г.</a:t>
+              <a:t>6.10.2016 г.</a:t>
             </a:fld>
             <a:endParaRPr lang="bg-BG"/>
           </a:p>
@@ -674,7 +675,7 @@
           <a:p>
             <a:fld id="{3EA744D9-3FBE-48D8-BF2A-85DF203E4D20}" type="datetimeFigureOut">
               <a:rPr lang="bg-BG" smtClean="0"/>
-              <a:t>10.3.2016 г.</a:t>
+              <a:t>6.10.2016 г.</a:t>
             </a:fld>
             <a:endParaRPr lang="bg-BG"/>
           </a:p>
@@ -844,7 +845,7 @@
           <a:p>
             <a:fld id="{3EA744D9-3FBE-48D8-BF2A-85DF203E4D20}" type="datetimeFigureOut">
               <a:rPr lang="bg-BG" smtClean="0"/>
-              <a:t>10.3.2016 г.</a:t>
+              <a:t>6.10.2016 г.</a:t>
             </a:fld>
             <a:endParaRPr lang="bg-BG"/>
           </a:p>
@@ -1090,7 +1091,7 @@
           <a:p>
             <a:fld id="{3EA744D9-3FBE-48D8-BF2A-85DF203E4D20}" type="datetimeFigureOut">
               <a:rPr lang="bg-BG" smtClean="0"/>
-              <a:t>10.3.2016 г.</a:t>
+              <a:t>6.10.2016 г.</a:t>
             </a:fld>
             <a:endParaRPr lang="bg-BG"/>
           </a:p>
@@ -1378,7 +1379,7 @@
           <a:p>
             <a:fld id="{3EA744D9-3FBE-48D8-BF2A-85DF203E4D20}" type="datetimeFigureOut">
               <a:rPr lang="bg-BG" smtClean="0"/>
-              <a:t>10.3.2016 г.</a:t>
+              <a:t>6.10.2016 г.</a:t>
             </a:fld>
             <a:endParaRPr lang="bg-BG"/>
           </a:p>
@@ -1800,7 +1801,7 @@
           <a:p>
             <a:fld id="{3EA744D9-3FBE-48D8-BF2A-85DF203E4D20}" type="datetimeFigureOut">
               <a:rPr lang="bg-BG" smtClean="0"/>
-              <a:t>10.3.2016 г.</a:t>
+              <a:t>6.10.2016 г.</a:t>
             </a:fld>
             <a:endParaRPr lang="bg-BG"/>
           </a:p>
@@ -1918,7 +1919,7 @@
           <a:p>
             <a:fld id="{3EA744D9-3FBE-48D8-BF2A-85DF203E4D20}" type="datetimeFigureOut">
               <a:rPr lang="bg-BG" smtClean="0"/>
-              <a:t>10.3.2016 г.</a:t>
+              <a:t>6.10.2016 г.</a:t>
             </a:fld>
             <a:endParaRPr lang="bg-BG"/>
           </a:p>
@@ -2013,7 +2014,7 @@
           <a:p>
             <a:fld id="{3EA744D9-3FBE-48D8-BF2A-85DF203E4D20}" type="datetimeFigureOut">
               <a:rPr lang="bg-BG" smtClean="0"/>
-              <a:t>10.3.2016 г.</a:t>
+              <a:t>6.10.2016 г.</a:t>
             </a:fld>
             <a:endParaRPr lang="bg-BG"/>
           </a:p>
@@ -2290,7 +2291,7 @@
           <a:p>
             <a:fld id="{3EA744D9-3FBE-48D8-BF2A-85DF203E4D20}" type="datetimeFigureOut">
               <a:rPr lang="bg-BG" smtClean="0"/>
-              <a:t>10.3.2016 г.</a:t>
+              <a:t>6.10.2016 г.</a:t>
             </a:fld>
             <a:endParaRPr lang="bg-BG"/>
           </a:p>
@@ -2543,7 +2544,7 @@
           <a:p>
             <a:fld id="{3EA744D9-3FBE-48D8-BF2A-85DF203E4D20}" type="datetimeFigureOut">
               <a:rPr lang="bg-BG" smtClean="0"/>
-              <a:t>10.3.2016 г.</a:t>
+              <a:t>6.10.2016 г.</a:t>
             </a:fld>
             <a:endParaRPr lang="bg-BG"/>
           </a:p>
@@ -2765,7 +2766,7 @@
           <a:p>
             <a:fld id="{3EA744D9-3FBE-48D8-BF2A-85DF203E4D20}" type="datetimeFigureOut">
               <a:rPr lang="bg-BG" smtClean="0"/>
-              <a:t>10.3.2016 г.</a:t>
+              <a:t>6.10.2016 г.</a:t>
             </a:fld>
             <a:endParaRPr lang="bg-BG"/>
           </a:p>
@@ -3241,359 +3242,65 @@
             <p:ph type="title"/>
           </p:nvPr>
         </p:nvSpPr>
-        <p:spPr>
-          <a:xfrm>
-            <a:off x="838200" y="685800"/>
-            <a:ext cx="8229600" cy="1143000"/>
-          </a:xfrm>
-        </p:spPr>
-        <p:txBody>
-          <a:bodyPr>
-            <a:normAutofit/>
-          </a:bodyPr>
+        <p:spPr/>
+        <p:txBody>
+          <a:bodyPr/>
           <a:lstStyle/>
           <a:p>
-            <a:pPr algn="l"/>
-            <a:r>
-              <a:rPr lang="bg-BG" dirty="0" smtClean="0">
+            <a:r>
+              <a:rPr lang="bg-BG" dirty="0">
                 <a:solidFill>
                   <a:schemeClr val="accent6"/>
                 </a:solidFill>
               </a:rPr>
-              <a:t>Цикълът</a:t>
-            </a:r>
-            <a:r>
-              <a:rPr lang="en-US" dirty="0" smtClean="0">
-                <a:solidFill>
-                  <a:schemeClr val="accent6"/>
-                </a:solidFill>
-              </a:rPr>
-              <a:t> FOR () {…}</a:t>
-            </a:r>
-            <a:endParaRPr lang="bg-BG" dirty="0">
+              <a:t>Задача</a:t>
+            </a:r>
+            <a:endParaRPr lang="en-US" dirty="0"/>
+          </a:p>
+        </p:txBody>
+      </p:sp>
+      <p:sp>
+        <p:nvSpPr>
+          <p:cNvPr id="3" name="Content Placeholder 2"/>
+          <p:cNvSpPr>
+            <a:spLocks noGrp="1"/>
+          </p:cNvSpPr>
+          <p:nvPr>
+            <p:ph idx="1"/>
+          </p:nvPr>
+        </p:nvSpPr>
+        <p:spPr/>
+        <p:txBody>
+          <a:bodyPr/>
+          <a:lstStyle/>
+          <a:p>
+            <a:r>
+              <a:rPr lang="ru-RU" dirty="0">
+                <a:solidFill>
+                  <a:schemeClr val="bg1"/>
+                </a:solidFill>
+              </a:rPr>
+              <a:t>Напишете програма която </a:t>
+            </a:r>
+            <a:r>
+              <a:rPr lang="ru-RU" dirty="0" smtClean="0">
+                <a:solidFill>
+                  <a:schemeClr val="bg1"/>
+                </a:solidFill>
+              </a:rPr>
+              <a:t>пресмята факториелът </a:t>
+            </a:r>
+            <a:r>
+              <a:rPr lang="ru-RU" dirty="0">
+                <a:solidFill>
+                  <a:schemeClr val="bg1"/>
+                </a:solidFill>
+              </a:rPr>
+              <a:t>на дадено число.</a:t>
+            </a:r>
+            <a:endParaRPr lang="en-US" dirty="0">
               <a:solidFill>
-                <a:schemeClr val="accent6"/>
-              </a:solidFill>
-            </a:endParaRPr>
-          </a:p>
-        </p:txBody>
-      </p:sp>
-      <p:sp>
-        <p:nvSpPr>
-          <p:cNvPr id="3" name="Content Placeholder 2"/>
-          <p:cNvSpPr>
-            <a:spLocks noGrp="1"/>
-          </p:cNvSpPr>
-          <p:nvPr>
-            <p:ph idx="1"/>
-          </p:nvPr>
-        </p:nvSpPr>
-        <p:spPr>
-          <a:xfrm>
-            <a:off x="762000" y="1676400"/>
-            <a:ext cx="7620000" cy="4525963"/>
-          </a:xfrm>
-        </p:spPr>
-        <p:txBody>
-          <a:bodyPr>
-            <a:normAutofit/>
-          </a:bodyPr>
-          <a:lstStyle/>
-          <a:p>
-            <a:pPr>
-              <a:buFont typeface="Wingdings" panose="05000000000000000000" pitchFamily="2" charset="2"/>
-              <a:buChar char="§"/>
-            </a:pPr>
-            <a:r>
-              <a:rPr lang="ru-RU" dirty="0" err="1">
-                <a:solidFill>
-                  <a:schemeClr val="bg1">
-                    <a:lumMod val="95000"/>
-                  </a:schemeClr>
-                </a:solidFill>
-              </a:rPr>
-              <a:t>Цикълът</a:t>
-            </a:r>
-            <a:r>
-              <a:rPr lang="ru-RU" dirty="0">
-                <a:solidFill>
-                  <a:schemeClr val="bg1">
-                    <a:lumMod val="95000"/>
-                  </a:schemeClr>
-                </a:solidFill>
-              </a:rPr>
-              <a:t> </a:t>
-            </a:r>
-            <a:r>
-              <a:rPr lang="ru-RU" dirty="0" err="1">
-                <a:solidFill>
-                  <a:schemeClr val="bg1">
-                    <a:lumMod val="95000"/>
-                  </a:schemeClr>
-                </a:solidFill>
-              </a:rPr>
-              <a:t>for</a:t>
-            </a:r>
-            <a:r>
-              <a:rPr lang="ru-RU" dirty="0">
-                <a:solidFill>
-                  <a:schemeClr val="bg1">
-                    <a:lumMod val="95000"/>
-                  </a:schemeClr>
-                </a:solidFill>
-              </a:rPr>
-              <a:t> се </a:t>
-            </a:r>
-            <a:r>
-              <a:rPr lang="ru-RU" dirty="0" err="1">
-                <a:solidFill>
-                  <a:schemeClr val="bg1">
-                    <a:lumMod val="95000"/>
-                  </a:schemeClr>
-                </a:solidFill>
-              </a:rPr>
-              <a:t>състои</a:t>
-            </a:r>
-            <a:r>
-              <a:rPr lang="ru-RU" dirty="0">
-                <a:solidFill>
-                  <a:schemeClr val="bg1">
-                    <a:lumMod val="95000"/>
-                  </a:schemeClr>
-                </a:solidFill>
-              </a:rPr>
-              <a:t> от 4 части:</a:t>
-            </a:r>
-          </a:p>
-          <a:p>
-            <a:pPr>
-              <a:buFont typeface="Wingdings" panose="05000000000000000000" pitchFamily="2" charset="2"/>
-              <a:buChar char="ü"/>
-            </a:pPr>
-            <a:r>
-              <a:rPr lang="ru-RU" dirty="0" smtClean="0">
-                <a:solidFill>
-                  <a:schemeClr val="bg1">
-                    <a:lumMod val="95000"/>
-                  </a:schemeClr>
-                </a:solidFill>
-              </a:rPr>
-              <a:t>Инициализация</a:t>
-            </a:r>
-            <a:r>
-              <a:rPr lang="ru-RU" dirty="0">
-                <a:solidFill>
-                  <a:schemeClr val="bg1">
-                    <a:lumMod val="95000"/>
-                  </a:schemeClr>
-                </a:solidFill>
-              </a:rPr>
-              <a:t>; //не е </a:t>
-            </a:r>
-            <a:r>
-              <a:rPr lang="ru-RU" dirty="0" err="1">
-                <a:solidFill>
-                  <a:schemeClr val="bg1">
-                    <a:lumMod val="95000"/>
-                  </a:schemeClr>
-                </a:solidFill>
-              </a:rPr>
-              <a:t>задължителна</a:t>
-            </a:r>
-            <a:endParaRPr lang="ru-RU" dirty="0">
-              <a:solidFill>
-                <a:schemeClr val="bg1">
-                  <a:lumMod val="95000"/>
-                </a:schemeClr>
-              </a:solidFill>
-            </a:endParaRPr>
-          </a:p>
-          <a:p>
-            <a:pPr>
-              <a:buFont typeface="Wingdings" panose="05000000000000000000" pitchFamily="2" charset="2"/>
-              <a:buChar char="ü"/>
-            </a:pPr>
-            <a:r>
-              <a:rPr lang="ru-RU" dirty="0" smtClean="0">
-                <a:solidFill>
-                  <a:schemeClr val="bg1">
-                    <a:lumMod val="95000"/>
-                  </a:schemeClr>
-                </a:solidFill>
-              </a:rPr>
-              <a:t>Проверка </a:t>
-            </a:r>
-            <a:r>
-              <a:rPr lang="ru-RU" dirty="0">
-                <a:solidFill>
-                  <a:schemeClr val="bg1">
-                    <a:lumMod val="95000"/>
-                  </a:schemeClr>
-                </a:solidFill>
-              </a:rPr>
-              <a:t>на </a:t>
-            </a:r>
-            <a:r>
-              <a:rPr lang="ru-RU" dirty="0" err="1">
-                <a:solidFill>
-                  <a:schemeClr val="bg1">
-                    <a:lumMod val="95000"/>
-                  </a:schemeClr>
-                </a:solidFill>
-              </a:rPr>
-              <a:t>условието</a:t>
-            </a:r>
-            <a:r>
-              <a:rPr lang="ru-RU" dirty="0">
-                <a:solidFill>
-                  <a:schemeClr val="bg1">
-                    <a:lumMod val="95000"/>
-                  </a:schemeClr>
-                </a:solidFill>
-              </a:rPr>
-              <a:t> //не е </a:t>
-            </a:r>
-            <a:r>
-              <a:rPr lang="ru-RU" dirty="0" err="1">
-                <a:solidFill>
-                  <a:schemeClr val="bg1">
-                    <a:lumMod val="95000"/>
-                  </a:schemeClr>
-                </a:solidFill>
-              </a:rPr>
-              <a:t>задължителна</a:t>
-            </a:r>
-            <a:endParaRPr lang="ru-RU" dirty="0">
-              <a:solidFill>
-                <a:schemeClr val="bg1">
-                  <a:lumMod val="95000"/>
-                </a:schemeClr>
-              </a:solidFill>
-            </a:endParaRPr>
-          </a:p>
-          <a:p>
-            <a:pPr>
-              <a:buFont typeface="Wingdings" panose="05000000000000000000" pitchFamily="2" charset="2"/>
-              <a:buChar char="ü"/>
-            </a:pPr>
-            <a:r>
-              <a:rPr lang="ru-RU" dirty="0" err="1" smtClean="0">
-                <a:solidFill>
-                  <a:schemeClr val="bg1">
-                    <a:lumMod val="95000"/>
-                  </a:schemeClr>
-                </a:solidFill>
-              </a:rPr>
-              <a:t>Помяна</a:t>
-            </a:r>
-            <a:r>
-              <a:rPr lang="ru-RU" dirty="0" smtClean="0">
-                <a:solidFill>
-                  <a:schemeClr val="bg1">
-                    <a:lumMod val="95000"/>
-                  </a:schemeClr>
-                </a:solidFill>
-              </a:rPr>
-              <a:t> </a:t>
-            </a:r>
-            <a:r>
-              <a:rPr lang="ru-RU" dirty="0">
-                <a:solidFill>
-                  <a:schemeClr val="bg1">
-                    <a:lumMod val="95000"/>
-                  </a:schemeClr>
-                </a:solidFill>
-              </a:rPr>
-              <a:t>//не е </a:t>
-            </a:r>
-            <a:r>
-              <a:rPr lang="ru-RU" dirty="0" err="1">
-                <a:solidFill>
-                  <a:schemeClr val="bg1">
-                    <a:lumMod val="95000"/>
-                  </a:schemeClr>
-                </a:solidFill>
-              </a:rPr>
-              <a:t>задължителна</a:t>
-            </a:r>
-            <a:endParaRPr lang="ru-RU" dirty="0">
-              <a:solidFill>
-                <a:schemeClr val="bg1">
-                  <a:lumMod val="95000"/>
-                </a:schemeClr>
-              </a:solidFill>
-            </a:endParaRPr>
-          </a:p>
-          <a:p>
-            <a:pPr>
-              <a:buFont typeface="Wingdings" panose="05000000000000000000" pitchFamily="2" charset="2"/>
-              <a:buChar char="ü"/>
-            </a:pPr>
-            <a:r>
-              <a:rPr lang="ru-RU" dirty="0" err="1" smtClean="0">
-                <a:solidFill>
-                  <a:schemeClr val="bg1">
-                    <a:lumMod val="95000"/>
-                  </a:schemeClr>
-                </a:solidFill>
-              </a:rPr>
-              <a:t>Тяло</a:t>
-            </a:r>
-            <a:r>
-              <a:rPr lang="ru-RU" dirty="0" smtClean="0">
-                <a:solidFill>
-                  <a:schemeClr val="bg1">
-                    <a:lumMod val="95000"/>
-                  </a:schemeClr>
-                </a:solidFill>
-              </a:rPr>
-              <a:t> </a:t>
-            </a:r>
-            <a:r>
-              <a:rPr lang="ru-RU" dirty="0">
-                <a:solidFill>
-                  <a:schemeClr val="bg1">
-                    <a:lumMod val="95000"/>
-                  </a:schemeClr>
-                </a:solidFill>
-              </a:rPr>
-              <a:t>на </a:t>
-            </a:r>
-            <a:r>
-              <a:rPr lang="ru-RU" dirty="0" err="1">
-                <a:solidFill>
-                  <a:schemeClr val="bg1">
-                    <a:lumMod val="95000"/>
-                  </a:schemeClr>
-                </a:solidFill>
-              </a:rPr>
-              <a:t>цикълът</a:t>
-            </a:r>
-            <a:r>
-              <a:rPr lang="ru-RU" dirty="0">
-                <a:solidFill>
-                  <a:schemeClr val="bg1">
-                    <a:lumMod val="95000"/>
-                  </a:schemeClr>
-                </a:solidFill>
-              </a:rPr>
-              <a:t> // </a:t>
-            </a:r>
-            <a:r>
-              <a:rPr lang="ru-RU" dirty="0" err="1">
-                <a:solidFill>
-                  <a:schemeClr val="bg1">
-                    <a:lumMod val="95000"/>
-                  </a:schemeClr>
-                </a:solidFill>
-              </a:rPr>
-              <a:t>задължителна</a:t>
-            </a:r>
-            <a:endParaRPr lang="ru-RU" dirty="0">
-              <a:solidFill>
-                <a:schemeClr val="bg1">
-                  <a:lumMod val="95000"/>
-                </a:schemeClr>
+                <a:schemeClr val="bg1"/>
               </a:solidFill>
             </a:endParaRPr>
           </a:p>
@@ -3602,7 +3309,7 @@
     </p:spTree>
     <p:extLst>
       <p:ext uri="{BB962C8B-B14F-4D97-AF65-F5344CB8AC3E}">
-        <p14:creationId xmlns:p14="http://schemas.microsoft.com/office/powerpoint/2010/main" val="4211912493"/>
+        <p14:creationId xmlns:p14="http://schemas.microsoft.com/office/powerpoint/2010/main" val="453197787"/>
       </p:ext>
     </p:extLst>
   </p:cSld>
@@ -3653,12 +3360,14 @@
           </a:xfrm>
         </p:spPr>
         <p:txBody>
-          <a:bodyPr/>
+          <a:bodyPr>
+            <a:normAutofit/>
+          </a:bodyPr>
           <a:lstStyle/>
           <a:p>
             <a:pPr algn="l"/>
             <a:r>
-              <a:rPr lang="bg-BG" dirty="0">
+              <a:rPr lang="bg-BG" dirty="0" smtClean="0">
                 <a:solidFill>
                   <a:schemeClr val="accent6"/>
                 </a:solidFill>
@@ -3666,7 +3375,7 @@
               <a:t>Цикълът</a:t>
             </a:r>
             <a:r>
-              <a:rPr lang="en-US" dirty="0">
+              <a:rPr lang="en-US" dirty="0" smtClean="0">
                 <a:solidFill>
                   <a:schemeClr val="accent6"/>
                 </a:solidFill>
@@ -3703,41 +3412,22 @@
           </a:bodyPr>
           <a:lstStyle/>
           <a:p>
-            <a:pPr marL="0" indent="0">
-              <a:buNone/>
+            <a:pPr>
+              <a:buFont typeface="Wingdings" panose="05000000000000000000" pitchFamily="2" charset="2"/>
+              <a:buChar char="§"/>
             </a:pPr>
             <a:r>
-              <a:rPr lang="en-US" dirty="0" smtClean="0">
-                <a:solidFill>
-                  <a:schemeClr val="bg1">
-                    <a:lumMod val="95000"/>
-                  </a:schemeClr>
-                </a:solidFill>
-              </a:rPr>
-              <a:t>for (initialization; check; </a:t>
-            </a:r>
-            <a:r>
-              <a:rPr lang="en-US" dirty="0" err="1" smtClean="0">
-                <a:solidFill>
-                  <a:schemeClr val="bg1">
-                    <a:lumMod val="95000"/>
-                  </a:schemeClr>
-                </a:solidFill>
-              </a:rPr>
-              <a:t>incrementation</a:t>
-            </a:r>
-            <a:r>
-              <a:rPr lang="bg-BG" dirty="0" smtClean="0">
-                <a:solidFill>
-                  <a:schemeClr val="bg1">
-                    <a:lumMod val="95000"/>
-                  </a:schemeClr>
-                </a:solidFill>
-              </a:rPr>
-              <a:t>)</a:t>
-            </a:r>
-            <a:r>
-              <a:rPr lang="en-US" dirty="0" smtClean="0">
+              <a:rPr lang="ru-RU" dirty="0" err="1">
+                <a:solidFill>
+                  <a:schemeClr val="bg1">
+                    <a:lumMod val="95000"/>
+                  </a:schemeClr>
+                </a:solidFill>
+              </a:rPr>
+              <a:t>Цикълът</a:t>
+            </a:r>
+            <a:r>
+              <a:rPr lang="ru-RU" dirty="0">
                 <a:solidFill>
                   <a:schemeClr val="bg1">
                     <a:lumMod val="95000"/>
@@ -3746,47 +3436,83 @@
               </a:rPr>
               <a:t> </a:t>
             </a:r>
-          </a:p>
-          <a:p>
-            <a:pPr marL="0" indent="0">
-              <a:buNone/>
+            <a:r>
+              <a:rPr lang="ru-RU" dirty="0" err="1">
+                <a:solidFill>
+                  <a:schemeClr val="bg1">
+                    <a:lumMod val="95000"/>
+                  </a:schemeClr>
+                </a:solidFill>
+              </a:rPr>
+              <a:t>for</a:t>
+            </a:r>
+            <a:r>
+              <a:rPr lang="ru-RU" dirty="0">
+                <a:solidFill>
+                  <a:schemeClr val="bg1">
+                    <a:lumMod val="95000"/>
+                  </a:schemeClr>
+                </a:solidFill>
+              </a:rPr>
+              <a:t> се </a:t>
+            </a:r>
+            <a:r>
+              <a:rPr lang="ru-RU" dirty="0" err="1">
+                <a:solidFill>
+                  <a:schemeClr val="bg1">
+                    <a:lumMod val="95000"/>
+                  </a:schemeClr>
+                </a:solidFill>
+              </a:rPr>
+              <a:t>състои</a:t>
+            </a:r>
+            <a:r>
+              <a:rPr lang="ru-RU" dirty="0">
+                <a:solidFill>
+                  <a:schemeClr val="bg1">
+                    <a:lumMod val="95000"/>
+                  </a:schemeClr>
+                </a:solidFill>
+              </a:rPr>
+              <a:t> от 4 части:</a:t>
+            </a:r>
+          </a:p>
+          <a:p>
+            <a:pPr>
+              <a:buFont typeface="Wingdings" panose="05000000000000000000" pitchFamily="2" charset="2"/>
+              <a:buChar char="ü"/>
             </a:pPr>
             <a:r>
-              <a:rPr lang="en-US" dirty="0" smtClean="0">
-                <a:solidFill>
-                  <a:schemeClr val="bg1">
-                    <a:lumMod val="95000"/>
-                  </a:schemeClr>
-                </a:solidFill>
-              </a:rPr>
-              <a:t>{</a:t>
-            </a:r>
-          </a:p>
-          <a:p>
-            <a:pPr marL="0" indent="0">
-              <a:buNone/>
-            </a:pPr>
-            <a:r>
-              <a:rPr lang="en-US" dirty="0">
-                <a:solidFill>
-                  <a:schemeClr val="bg1">
-                    <a:lumMod val="95000"/>
-                  </a:schemeClr>
-                </a:solidFill>
-              </a:rPr>
-              <a:t>	</a:t>
-            </a:r>
-            <a:r>
-              <a:rPr lang="bg-BG" dirty="0" smtClean="0">
-                <a:solidFill>
-                  <a:schemeClr val="bg1">
-                    <a:lumMod val="95000"/>
-                  </a:schemeClr>
-                </a:solidFill>
-              </a:rPr>
-              <a:t>тяло на цикъла</a:t>
-            </a:r>
-            <a:endParaRPr lang="en-US" dirty="0">
+              <a:rPr lang="ru-RU" dirty="0" smtClean="0">
+                <a:solidFill>
+                  <a:schemeClr val="bg1">
+                    <a:lumMod val="95000"/>
+                  </a:schemeClr>
+                </a:solidFill>
+              </a:rPr>
+              <a:t>Инициализация</a:t>
+            </a:r>
+            <a:r>
+              <a:rPr lang="ru-RU" dirty="0">
+                <a:solidFill>
+                  <a:schemeClr val="bg1">
+                    <a:lumMod val="95000"/>
+                  </a:schemeClr>
+                </a:solidFill>
+              </a:rPr>
+              <a:t>; //не е </a:t>
+            </a:r>
+            <a:r>
+              <a:rPr lang="ru-RU" dirty="0" err="1">
+                <a:solidFill>
+                  <a:schemeClr val="bg1">
+                    <a:lumMod val="95000"/>
+                  </a:schemeClr>
+                </a:solidFill>
+              </a:rPr>
+              <a:t>задължителна</a:t>
+            </a:r>
+            <a:endParaRPr lang="ru-RU" dirty="0">
               <a:solidFill>
                 <a:schemeClr val="bg1">
                   <a:lumMod val="95000"/>
@@ -3795,20 +3521,61 @@
             </a:endParaRPr>
           </a:p>
           <a:p>
-            <a:pPr marL="0" indent="0">
-              <a:buNone/>
+            <a:pPr>
+              <a:buFont typeface="Wingdings" panose="05000000000000000000" pitchFamily="2" charset="2"/>
+              <a:buChar char="ü"/>
             </a:pPr>
             <a:r>
-              <a:rPr lang="en-US" dirty="0" smtClean="0">
-                <a:solidFill>
-                  <a:schemeClr val="bg1">
-                    <a:lumMod val="95000"/>
-                  </a:schemeClr>
-                </a:solidFill>
-              </a:rPr>
-              <a:t>}</a:t>
-            </a:r>
-            <a:endParaRPr lang="bg-BG" dirty="0" smtClean="0">
+              <a:rPr lang="ru-RU" dirty="0" smtClean="0">
+                <a:solidFill>
+                  <a:schemeClr val="bg1">
+                    <a:lumMod val="95000"/>
+                  </a:schemeClr>
+                </a:solidFill>
+              </a:rPr>
+              <a:t>Проверка </a:t>
+            </a:r>
+            <a:r>
+              <a:rPr lang="ru-RU" dirty="0">
+                <a:solidFill>
+                  <a:schemeClr val="bg1">
+                    <a:lumMod val="95000"/>
+                  </a:schemeClr>
+                </a:solidFill>
+              </a:rPr>
+              <a:t>на </a:t>
+            </a:r>
+            <a:r>
+              <a:rPr lang="ru-RU" dirty="0" err="1">
+                <a:solidFill>
+                  <a:schemeClr val="bg1">
+                    <a:lumMod val="95000"/>
+                  </a:schemeClr>
+                </a:solidFill>
+              </a:rPr>
+              <a:t>условието</a:t>
+            </a:r>
+            <a:r>
+              <a:rPr lang="ru-RU" dirty="0">
+                <a:solidFill>
+                  <a:schemeClr val="bg1">
+                    <a:lumMod val="95000"/>
+                  </a:schemeClr>
+                </a:solidFill>
+              </a:rPr>
+              <a:t> //не е </a:t>
+            </a:r>
+            <a:r>
+              <a:rPr lang="ru-RU" dirty="0" err="1">
+                <a:solidFill>
+                  <a:schemeClr val="bg1">
+                    <a:lumMod val="95000"/>
+                  </a:schemeClr>
+                </a:solidFill>
+              </a:rPr>
+              <a:t>задължителна</a:t>
+            </a:r>
+            <a:endParaRPr lang="ru-RU" dirty="0">
               <a:solidFill>
                 <a:schemeClr val="bg1">
                   <a:lumMod val="95000"/>
@@ -3816,12 +3583,138 @@
               </a:solidFill>
             </a:endParaRPr>
           </a:p>
+          <a:p>
+            <a:pPr>
+              <a:buFont typeface="Wingdings" panose="05000000000000000000" pitchFamily="2" charset="2"/>
+              <a:buChar char="ü"/>
+            </a:pPr>
+            <a:r>
+              <a:rPr lang="ru-RU" dirty="0" err="1" smtClean="0">
+                <a:solidFill>
+                  <a:schemeClr val="bg1">
+                    <a:lumMod val="95000"/>
+                  </a:schemeClr>
+                </a:solidFill>
+              </a:rPr>
+              <a:t>Помяна</a:t>
+            </a:r>
+            <a:r>
+              <a:rPr lang="ru-RU" dirty="0" smtClean="0">
+                <a:solidFill>
+                  <a:schemeClr val="bg1">
+                    <a:lumMod val="95000"/>
+                  </a:schemeClr>
+                </a:solidFill>
+              </a:rPr>
+              <a:t> </a:t>
+            </a:r>
+            <a:r>
+              <a:rPr lang="ru-RU" dirty="0">
+                <a:solidFill>
+                  <a:schemeClr val="bg1">
+                    <a:lumMod val="95000"/>
+                  </a:schemeClr>
+                </a:solidFill>
+              </a:rPr>
+              <a:t>//не е </a:t>
+            </a:r>
+            <a:r>
+              <a:rPr lang="ru-RU" dirty="0" err="1">
+                <a:solidFill>
+                  <a:schemeClr val="bg1">
+                    <a:lumMod val="95000"/>
+                  </a:schemeClr>
+                </a:solidFill>
+              </a:rPr>
+              <a:t>задължителна</a:t>
+            </a:r>
+            <a:endParaRPr lang="ru-RU" dirty="0">
+              <a:solidFill>
+                <a:schemeClr val="bg1">
+                  <a:lumMod val="95000"/>
+                </a:schemeClr>
+              </a:solidFill>
+            </a:endParaRPr>
+          </a:p>
+          <a:p>
+            <a:pPr>
+              <a:buFont typeface="Wingdings" panose="05000000000000000000" pitchFamily="2" charset="2"/>
+              <a:buChar char="ü"/>
+            </a:pPr>
+            <a:r>
+              <a:rPr lang="ru-RU" dirty="0" err="1" smtClean="0">
+                <a:solidFill>
+                  <a:schemeClr val="bg1">
+                    <a:lumMod val="95000"/>
+                  </a:schemeClr>
+                </a:solidFill>
+              </a:rPr>
+              <a:t>Тяло</a:t>
+            </a:r>
+            <a:r>
+              <a:rPr lang="ru-RU" dirty="0" smtClean="0">
+                <a:solidFill>
+                  <a:schemeClr val="bg1">
+                    <a:lumMod val="95000"/>
+                  </a:schemeClr>
+                </a:solidFill>
+              </a:rPr>
+              <a:t> </a:t>
+            </a:r>
+            <a:r>
+              <a:rPr lang="ru-RU" dirty="0">
+                <a:solidFill>
+                  <a:schemeClr val="bg1">
+                    <a:lumMod val="95000"/>
+                  </a:schemeClr>
+                </a:solidFill>
+              </a:rPr>
+              <a:t>на </a:t>
+            </a:r>
+            <a:r>
+              <a:rPr lang="ru-RU" dirty="0" err="1">
+                <a:solidFill>
+                  <a:schemeClr val="bg1">
+                    <a:lumMod val="95000"/>
+                  </a:schemeClr>
+                </a:solidFill>
+              </a:rPr>
+              <a:t>цикълът</a:t>
+            </a:r>
+            <a:r>
+              <a:rPr lang="ru-RU" dirty="0">
+                <a:solidFill>
+                  <a:schemeClr val="bg1">
+                    <a:lumMod val="95000"/>
+                  </a:schemeClr>
+                </a:solidFill>
+              </a:rPr>
+              <a:t> // </a:t>
+            </a:r>
+            <a:r>
+              <a:rPr lang="ru-RU" dirty="0" err="1">
+                <a:solidFill>
+                  <a:schemeClr val="bg1">
+                    <a:lumMod val="95000"/>
+                  </a:schemeClr>
+                </a:solidFill>
+              </a:rPr>
+              <a:t>задължителна</a:t>
+            </a:r>
+            <a:endParaRPr lang="ru-RU" dirty="0">
+              <a:solidFill>
+                <a:schemeClr val="bg1">
+                  <a:lumMod val="95000"/>
+                </a:schemeClr>
+              </a:solidFill>
+            </a:endParaRPr>
+          </a:p>
         </p:txBody>
       </p:sp>
     </p:spTree>
     <p:extLst>
       <p:ext uri="{BB962C8B-B14F-4D97-AF65-F5344CB8AC3E}">
-        <p14:creationId xmlns:p14="http://schemas.microsoft.com/office/powerpoint/2010/main" val="3960221706"/>
+        <p14:creationId xmlns:p14="http://schemas.microsoft.com/office/powerpoint/2010/main" val="4211912493"/>
       </p:ext>
     </p:extLst>
   </p:cSld>
@@ -3877,12 +3770,20 @@
           <a:p>
             <a:pPr algn="l"/>
             <a:r>
-              <a:rPr lang="bg-BG" dirty="0" smtClean="0">
+              <a:rPr lang="bg-BG" dirty="0">
                 <a:solidFill>
                   <a:schemeClr val="accent6"/>
                 </a:solidFill>
               </a:rPr>
-              <a:t>Вложени цикли</a:t>
+              <a:t>Цикълът</a:t>
+            </a:r>
+            <a:r>
+              <a:rPr lang="en-US" dirty="0">
+                <a:solidFill>
+                  <a:schemeClr val="accent6"/>
+                </a:solidFill>
+              </a:rPr>
+              <a:t> FOR () {…}</a:t>
             </a:r>
             <a:endParaRPr lang="bg-BG" dirty="0">
               <a:solidFill>
@@ -3918,7 +3819,7 @@
               <a:buNone/>
             </a:pPr>
             <a:r>
-              <a:rPr lang="en-US" sz="2400" dirty="0" smtClean="0">
+              <a:rPr lang="en-US" dirty="0" smtClean="0">
                 <a:solidFill>
                   <a:schemeClr val="bg1">
                     <a:lumMod val="95000"/>
@@ -3928,7 +3829,7 @@
               <a:t>for (initialization; check; </a:t>
             </a:r>
             <a:r>
-              <a:rPr lang="en-US" sz="2400" dirty="0" err="1" smtClean="0">
+              <a:rPr lang="en-US" dirty="0" err="1" smtClean="0">
                 <a:solidFill>
                   <a:schemeClr val="bg1">
                     <a:lumMod val="95000"/>
@@ -3938,7 +3839,7 @@
               <a:t>incrementation</a:t>
             </a:r>
             <a:r>
-              <a:rPr lang="bg-BG" sz="2400" dirty="0" smtClean="0">
+              <a:rPr lang="bg-BG" dirty="0" smtClean="0">
                 <a:solidFill>
                   <a:schemeClr val="bg1">
                     <a:lumMod val="95000"/>
@@ -3948,7 +3849,7 @@
               <a:t>)</a:t>
             </a:r>
             <a:r>
-              <a:rPr lang="en-US" sz="2400" dirty="0" smtClean="0">
+              <a:rPr lang="en-US" dirty="0" smtClean="0">
                 <a:solidFill>
                   <a:schemeClr val="bg1">
                     <a:lumMod val="95000"/>
@@ -3963,7 +3864,7 @@
               <a:buNone/>
             </a:pPr>
             <a:r>
-              <a:rPr lang="en-US" sz="2400" dirty="0" smtClean="0">
+              <a:rPr lang="en-US" dirty="0" smtClean="0">
                 <a:solidFill>
                   <a:schemeClr val="bg1">
                     <a:lumMod val="95000"/>
@@ -3978,96 +3879,26 @@
               <a:buNone/>
             </a:pPr>
             <a:r>
-              <a:rPr lang="en-US" sz="2400" dirty="0">
-                <a:solidFill>
-                  <a:schemeClr val="bg1">
-                    <a:lumMod val="95000"/>
-                  </a:schemeClr>
-                </a:solidFill>
-              </a:rPr>
-              <a:t>	 for </a:t>
-            </a:r>
-            <a:r>
-              <a:rPr lang="en-US" sz="2400" dirty="0" smtClean="0">
-                <a:solidFill>
-                  <a:schemeClr val="bg1">
-                    <a:lumMod val="95000"/>
-                  </a:schemeClr>
-                </a:solidFill>
-              </a:rPr>
-              <a:t>(initialization;</a:t>
-            </a:r>
-            <a:r>
-              <a:rPr lang="bg-BG" sz="2400" dirty="0" smtClean="0">
-                <a:solidFill>
-                  <a:schemeClr val="bg1">
-                    <a:lumMod val="95000"/>
-                  </a:schemeClr>
-                </a:solidFill>
-              </a:rPr>
-              <a:t> </a:t>
-            </a:r>
-            <a:r>
-              <a:rPr lang="en-US" sz="2400" dirty="0" smtClean="0">
-                <a:solidFill>
-                  <a:schemeClr val="bg1">
-                    <a:lumMod val="95000"/>
-                  </a:schemeClr>
-                </a:solidFill>
-              </a:rPr>
-              <a:t>check</a:t>
-            </a:r>
-            <a:r>
-              <a:rPr lang="en-US" sz="2400" dirty="0">
-                <a:solidFill>
-                  <a:schemeClr val="bg1">
-                    <a:lumMod val="95000"/>
-                  </a:schemeClr>
-                </a:solidFill>
-              </a:rPr>
-              <a:t>; </a:t>
-            </a:r>
-            <a:r>
-              <a:rPr lang="en-US" sz="2400" dirty="0" err="1">
-                <a:solidFill>
-                  <a:schemeClr val="bg1">
-                    <a:lumMod val="95000"/>
-                  </a:schemeClr>
-                </a:solidFill>
-              </a:rPr>
-              <a:t>incrementation</a:t>
-            </a:r>
-            <a:r>
-              <a:rPr lang="bg-BG" sz="2400" dirty="0">
-                <a:solidFill>
-                  <a:schemeClr val="bg1">
-                    <a:lumMod val="95000"/>
-                  </a:schemeClr>
-                </a:solidFill>
-              </a:rPr>
-              <a:t>)</a:t>
-            </a:r>
-            <a:r>
-              <a:rPr lang="en-US" sz="2400" dirty="0" smtClean="0">
-                <a:solidFill>
-                  <a:schemeClr val="bg1">
-                    <a:lumMod val="95000"/>
-                  </a:schemeClr>
-                </a:solidFill>
-              </a:rPr>
-              <a:t> </a:t>
-            </a:r>
-            <a:r>
-              <a:rPr lang="bg-BG" sz="2400" dirty="0" smtClean="0">
-                <a:solidFill>
-                  <a:schemeClr val="bg1">
-                    <a:lumMod val="95000"/>
-                  </a:schemeClr>
-                </a:solidFill>
-              </a:rPr>
-              <a:t> </a:t>
-            </a:r>
-            <a:endParaRPr lang="en-US" sz="2400" dirty="0" smtClean="0">
+              <a:rPr lang="en-US" dirty="0">
+                <a:solidFill>
+                  <a:schemeClr val="bg1">
+                    <a:lumMod val="95000"/>
+                  </a:schemeClr>
+                </a:solidFill>
+              </a:rPr>
+              <a:t>	</a:t>
+            </a:r>
+            <a:r>
+              <a:rPr lang="bg-BG" dirty="0" smtClean="0">
+                <a:solidFill>
+                  <a:schemeClr val="bg1">
+                    <a:lumMod val="95000"/>
+                  </a:schemeClr>
+                </a:solidFill>
+              </a:rPr>
+              <a:t>тяло на цикъла</a:t>
+            </a:r>
+            <a:endParaRPr lang="en-US" dirty="0">
               <a:solidFill>
                 <a:schemeClr val="bg1">
                   <a:lumMod val="95000"/>
@@ -4080,26 +3911,16 @@
               <a:buNone/>
             </a:pPr>
             <a:r>
-              <a:rPr lang="en-US" sz="2400" dirty="0">
-                <a:solidFill>
-                  <a:schemeClr val="bg1">
-                    <a:lumMod val="95000"/>
-                  </a:schemeClr>
-                </a:solidFill>
-              </a:rPr>
-              <a:t>	</a:t>
-            </a:r>
-            <a:r>
-              <a:rPr lang="en-US" sz="2400" dirty="0" smtClean="0">
-                <a:solidFill>
-                  <a:schemeClr val="bg1">
-                    <a:lumMod val="95000"/>
-                  </a:schemeClr>
-                </a:solidFill>
-              </a:rPr>
-              <a:t>{</a:t>
-            </a:r>
-            <a:endParaRPr lang="en-US" sz="2400" dirty="0">
+              <a:rPr lang="en-US" dirty="0" smtClean="0">
+                <a:solidFill>
+                  <a:schemeClr val="bg1">
+                    <a:lumMod val="95000"/>
+                  </a:schemeClr>
+                </a:solidFill>
+              </a:rPr>
+              <a:t>}</a:t>
+            </a:r>
+            <a:endParaRPr lang="bg-BG" dirty="0" smtClean="0">
               <a:solidFill>
                 <a:schemeClr val="bg1">
                   <a:lumMod val="95000"/>
@@ -4107,91 +3928,12 @@
               </a:solidFill>
             </a:endParaRPr>
           </a:p>
-          <a:p>
-            <a:pPr marL="0" indent="0">
-              <a:buNone/>
-            </a:pPr>
-            <a:r>
-              <a:rPr lang="en-US" sz="2400" dirty="0">
-                <a:solidFill>
-                  <a:schemeClr val="bg1">
-                    <a:lumMod val="95000"/>
-                  </a:schemeClr>
-                </a:solidFill>
-              </a:rPr>
-              <a:t>	</a:t>
-            </a:r>
-            <a:r>
-              <a:rPr lang="bg-BG" sz="2400" dirty="0" smtClean="0">
-                <a:solidFill>
-                  <a:schemeClr val="bg1">
-                    <a:lumMod val="95000"/>
-                  </a:schemeClr>
-                </a:solidFill>
-              </a:rPr>
-              <a:t>	тяло на вложения цикъл</a:t>
-            </a:r>
-            <a:endParaRPr lang="en-US" sz="2400" dirty="0">
-              <a:solidFill>
-                <a:schemeClr val="bg1">
-                  <a:lumMod val="95000"/>
-                </a:schemeClr>
-              </a:solidFill>
-            </a:endParaRPr>
-          </a:p>
-          <a:p>
-            <a:pPr marL="0" indent="0">
-              <a:buNone/>
-            </a:pPr>
-            <a:r>
-              <a:rPr lang="bg-BG" sz="2400" dirty="0" smtClean="0">
-                <a:solidFill>
-                  <a:schemeClr val="bg1">
-                    <a:lumMod val="95000"/>
-                  </a:schemeClr>
-                </a:solidFill>
-              </a:rPr>
-              <a:t>	</a:t>
-            </a:r>
-            <a:r>
-              <a:rPr lang="en-US" sz="2400" dirty="0" smtClean="0">
-                <a:solidFill>
-                  <a:schemeClr val="bg1">
-                    <a:lumMod val="95000"/>
-                  </a:schemeClr>
-                </a:solidFill>
-              </a:rPr>
-              <a:t>}</a:t>
-            </a:r>
-          </a:p>
-          <a:p>
-            <a:pPr marL="0" indent="0">
-              <a:buNone/>
-            </a:pPr>
-            <a:r>
-              <a:rPr lang="en-US" sz="2400" dirty="0" smtClean="0">
-                <a:solidFill>
-                  <a:schemeClr val="bg1">
-                    <a:lumMod val="95000"/>
-                  </a:schemeClr>
-                </a:solidFill>
-              </a:rPr>
-              <a:t>}</a:t>
-            </a:r>
-            <a:endParaRPr lang="bg-BG" sz="2400" dirty="0" smtClean="0">
-              <a:solidFill>
-                <a:schemeClr val="bg1">
-                  <a:lumMod val="95000"/>
-                </a:schemeClr>
-              </a:solidFill>
-            </a:endParaRPr>
-          </a:p>
         </p:txBody>
       </p:sp>
     </p:spTree>
     <p:extLst>
       <p:ext uri="{BB962C8B-B14F-4D97-AF65-F5344CB8AC3E}">
-        <p14:creationId xmlns:p14="http://schemas.microsoft.com/office/powerpoint/2010/main" val="2143315587"/>
+        <p14:creationId xmlns:p14="http://schemas.microsoft.com/office/powerpoint/2010/main" val="3960221706"/>
       </p:ext>
     </p:extLst>
   </p:cSld>
@@ -4242,6 +3984,376 @@
           </a:xfrm>
         </p:spPr>
         <p:txBody>
+          <a:bodyPr/>
+          <a:lstStyle/>
+          <a:p>
+            <a:pPr algn="l"/>
+            <a:r>
+              <a:rPr lang="bg-BG" dirty="0" smtClean="0">
+                <a:solidFill>
+                  <a:schemeClr val="accent6"/>
+                </a:solidFill>
+              </a:rPr>
+              <a:t>Вложени цикли</a:t>
+            </a:r>
+            <a:endParaRPr lang="bg-BG" dirty="0">
+              <a:solidFill>
+                <a:schemeClr val="accent6"/>
+              </a:solidFill>
+            </a:endParaRPr>
+          </a:p>
+        </p:txBody>
+      </p:sp>
+      <p:sp>
+        <p:nvSpPr>
+          <p:cNvPr id="3" name="Content Placeholder 2"/>
+          <p:cNvSpPr>
+            <a:spLocks noGrp="1"/>
+          </p:cNvSpPr>
+          <p:nvPr>
+            <p:ph idx="1"/>
+          </p:nvPr>
+        </p:nvSpPr>
+        <p:spPr>
+          <a:xfrm>
+            <a:off x="762000" y="1676400"/>
+            <a:ext cx="7620000" cy="4525963"/>
+          </a:xfrm>
+        </p:spPr>
+        <p:txBody>
+          <a:bodyPr>
+            <a:normAutofit/>
+          </a:bodyPr>
+          <a:lstStyle/>
+          <a:p>
+            <a:pPr marL="0" indent="0">
+              <a:buNone/>
+            </a:pPr>
+            <a:r>
+              <a:rPr lang="en-US" sz="2400" dirty="0" smtClean="0">
+                <a:solidFill>
+                  <a:schemeClr val="bg1">
+                    <a:lumMod val="95000"/>
+                  </a:schemeClr>
+                </a:solidFill>
+              </a:rPr>
+              <a:t>for (initialization; check; </a:t>
+            </a:r>
+            <a:r>
+              <a:rPr lang="en-US" sz="2400" dirty="0" err="1" smtClean="0">
+                <a:solidFill>
+                  <a:schemeClr val="bg1">
+                    <a:lumMod val="95000"/>
+                  </a:schemeClr>
+                </a:solidFill>
+              </a:rPr>
+              <a:t>incrementation</a:t>
+            </a:r>
+            <a:r>
+              <a:rPr lang="bg-BG" sz="2400" dirty="0" smtClean="0">
+                <a:solidFill>
+                  <a:schemeClr val="bg1">
+                    <a:lumMod val="95000"/>
+                  </a:schemeClr>
+                </a:solidFill>
+              </a:rPr>
+              <a:t>)</a:t>
+            </a:r>
+            <a:r>
+              <a:rPr lang="en-US" sz="2400" dirty="0" smtClean="0">
+                <a:solidFill>
+                  <a:schemeClr val="bg1">
+                    <a:lumMod val="95000"/>
+                  </a:schemeClr>
+                </a:solidFill>
+              </a:rPr>
+              <a:t> </a:t>
+            </a:r>
+          </a:p>
+          <a:p>
+            <a:pPr marL="0" indent="0">
+              <a:buNone/>
+            </a:pPr>
+            <a:r>
+              <a:rPr lang="en-US" sz="2400" dirty="0" smtClean="0">
+                <a:solidFill>
+                  <a:schemeClr val="bg1">
+                    <a:lumMod val="95000"/>
+                  </a:schemeClr>
+                </a:solidFill>
+              </a:rPr>
+              <a:t>{</a:t>
+            </a:r>
+          </a:p>
+          <a:p>
+            <a:pPr marL="0" indent="0">
+              <a:buNone/>
+            </a:pPr>
+            <a:r>
+              <a:rPr lang="en-US" sz="2400" dirty="0">
+                <a:solidFill>
+                  <a:schemeClr val="bg1">
+                    <a:lumMod val="95000"/>
+                  </a:schemeClr>
+                </a:solidFill>
+              </a:rPr>
+              <a:t>	 for </a:t>
+            </a:r>
+            <a:r>
+              <a:rPr lang="en-US" sz="2400" dirty="0" smtClean="0">
+                <a:solidFill>
+                  <a:schemeClr val="bg1">
+                    <a:lumMod val="95000"/>
+                  </a:schemeClr>
+                </a:solidFill>
+              </a:rPr>
+              <a:t>(initialization;</a:t>
+            </a:r>
+            <a:r>
+              <a:rPr lang="bg-BG" sz="2400" dirty="0" smtClean="0">
+                <a:solidFill>
+                  <a:schemeClr val="bg1">
+                    <a:lumMod val="95000"/>
+                  </a:schemeClr>
+                </a:solidFill>
+              </a:rPr>
+              <a:t> </a:t>
+            </a:r>
+            <a:r>
+              <a:rPr lang="en-US" sz="2400" dirty="0" smtClean="0">
+                <a:solidFill>
+                  <a:schemeClr val="bg1">
+                    <a:lumMod val="95000"/>
+                  </a:schemeClr>
+                </a:solidFill>
+              </a:rPr>
+              <a:t>check</a:t>
+            </a:r>
+            <a:r>
+              <a:rPr lang="en-US" sz="2400" dirty="0">
+                <a:solidFill>
+                  <a:schemeClr val="bg1">
+                    <a:lumMod val="95000"/>
+                  </a:schemeClr>
+                </a:solidFill>
+              </a:rPr>
+              <a:t>; </a:t>
+            </a:r>
+            <a:r>
+              <a:rPr lang="en-US" sz="2400" dirty="0" err="1">
+                <a:solidFill>
+                  <a:schemeClr val="bg1">
+                    <a:lumMod val="95000"/>
+                  </a:schemeClr>
+                </a:solidFill>
+              </a:rPr>
+              <a:t>incrementation</a:t>
+            </a:r>
+            <a:r>
+              <a:rPr lang="bg-BG" sz="2400" dirty="0">
+                <a:solidFill>
+                  <a:schemeClr val="bg1">
+                    <a:lumMod val="95000"/>
+                  </a:schemeClr>
+                </a:solidFill>
+              </a:rPr>
+              <a:t>)</a:t>
+            </a:r>
+            <a:r>
+              <a:rPr lang="en-US" sz="2400" dirty="0" smtClean="0">
+                <a:solidFill>
+                  <a:schemeClr val="bg1">
+                    <a:lumMod val="95000"/>
+                  </a:schemeClr>
+                </a:solidFill>
+              </a:rPr>
+              <a:t> </a:t>
+            </a:r>
+            <a:r>
+              <a:rPr lang="bg-BG" sz="2400" dirty="0" smtClean="0">
+                <a:solidFill>
+                  <a:schemeClr val="bg1">
+                    <a:lumMod val="95000"/>
+                  </a:schemeClr>
+                </a:solidFill>
+              </a:rPr>
+              <a:t> </a:t>
+            </a:r>
+            <a:endParaRPr lang="en-US" sz="2400" dirty="0" smtClean="0">
+              <a:solidFill>
+                <a:schemeClr val="bg1">
+                  <a:lumMod val="95000"/>
+                </a:schemeClr>
+              </a:solidFill>
+            </a:endParaRPr>
+          </a:p>
+          <a:p>
+            <a:pPr marL="0" indent="0">
+              <a:buNone/>
+            </a:pPr>
+            <a:r>
+              <a:rPr lang="en-US" sz="2400" dirty="0">
+                <a:solidFill>
+                  <a:schemeClr val="bg1">
+                    <a:lumMod val="95000"/>
+                  </a:schemeClr>
+                </a:solidFill>
+              </a:rPr>
+              <a:t>	</a:t>
+            </a:r>
+            <a:r>
+              <a:rPr lang="en-US" sz="2400" dirty="0" smtClean="0">
+                <a:solidFill>
+                  <a:schemeClr val="bg1">
+                    <a:lumMod val="95000"/>
+                  </a:schemeClr>
+                </a:solidFill>
+              </a:rPr>
+              <a:t>{</a:t>
+            </a:r>
+            <a:endParaRPr lang="en-US" sz="2400" dirty="0">
+              <a:solidFill>
+                <a:schemeClr val="bg1">
+                  <a:lumMod val="95000"/>
+                </a:schemeClr>
+              </a:solidFill>
+            </a:endParaRPr>
+          </a:p>
+          <a:p>
+            <a:pPr marL="0" indent="0">
+              <a:buNone/>
+            </a:pPr>
+            <a:r>
+              <a:rPr lang="en-US" sz="2400" dirty="0">
+                <a:solidFill>
+                  <a:schemeClr val="bg1">
+                    <a:lumMod val="95000"/>
+                  </a:schemeClr>
+                </a:solidFill>
+              </a:rPr>
+              <a:t>	</a:t>
+            </a:r>
+            <a:r>
+              <a:rPr lang="bg-BG" sz="2400" dirty="0" smtClean="0">
+                <a:solidFill>
+                  <a:schemeClr val="bg1">
+                    <a:lumMod val="95000"/>
+                  </a:schemeClr>
+                </a:solidFill>
+              </a:rPr>
+              <a:t>	тяло на вложения цикъл</a:t>
+            </a:r>
+            <a:endParaRPr lang="en-US" sz="2400" dirty="0">
+              <a:solidFill>
+                <a:schemeClr val="bg1">
+                  <a:lumMod val="95000"/>
+                </a:schemeClr>
+              </a:solidFill>
+            </a:endParaRPr>
+          </a:p>
+          <a:p>
+            <a:pPr marL="0" indent="0">
+              <a:buNone/>
+            </a:pPr>
+            <a:r>
+              <a:rPr lang="bg-BG" sz="2400" dirty="0" smtClean="0">
+                <a:solidFill>
+                  <a:schemeClr val="bg1">
+                    <a:lumMod val="95000"/>
+                  </a:schemeClr>
+                </a:solidFill>
+              </a:rPr>
+              <a:t>	</a:t>
+            </a:r>
+            <a:r>
+              <a:rPr lang="en-US" sz="2400" dirty="0" smtClean="0">
+                <a:solidFill>
+                  <a:schemeClr val="bg1">
+                    <a:lumMod val="95000"/>
+                  </a:schemeClr>
+                </a:solidFill>
+              </a:rPr>
+              <a:t>}</a:t>
+            </a:r>
+          </a:p>
+          <a:p>
+            <a:pPr marL="0" indent="0">
+              <a:buNone/>
+            </a:pPr>
+            <a:r>
+              <a:rPr lang="en-US" sz="2400" dirty="0" smtClean="0">
+                <a:solidFill>
+                  <a:schemeClr val="bg1">
+                    <a:lumMod val="95000"/>
+                  </a:schemeClr>
+                </a:solidFill>
+              </a:rPr>
+              <a:t>}</a:t>
+            </a:r>
+            <a:endParaRPr lang="bg-BG" sz="2400" dirty="0" smtClean="0">
+              <a:solidFill>
+                <a:schemeClr val="bg1">
+                  <a:lumMod val="95000"/>
+                </a:schemeClr>
+              </a:solidFill>
+            </a:endParaRPr>
+          </a:p>
+        </p:txBody>
+      </p:sp>
+    </p:spTree>
+    <p:extLst>
+      <p:ext uri="{BB962C8B-B14F-4D97-AF65-F5344CB8AC3E}">
+        <p14:creationId xmlns:p14="http://schemas.microsoft.com/office/powerpoint/2010/main" val="2143315587"/>
+      </p:ext>
+    </p:extLst>
+  </p:cSld>
+  <p:clrMapOvr>
+    <a:masterClrMapping/>
+  </p:clrMapOvr>
+  <p:timing>
+    <p:tnLst>
+      <p:par>
+        <p:cTn id="1" dur="indefinite" restart="never" nodeType="tmRoot"/>
+      </p:par>
+    </p:tnLst>
+  </p:timing>
+</p:sld>
+</file>
+
+<file path=ppt/slides/slide14.xml><?xml version="1.0" encoding="utf-8"?>
+<p:sld xmlns:a="http://schemas.openxmlformats.org/drawingml/2006/main" xmlns:r="http://schemas.openxmlformats.org/officeDocument/2006/relationships" xmlns:p="http://schemas.openxmlformats.org/presentationml/2006/main">
+  <p:cSld>
+    <p:spTree>
+      <p:nvGrpSpPr>
+        <p:cNvPr id="1" name=""/>
+        <p:cNvGrpSpPr/>
+        <p:nvPr/>
+      </p:nvGrpSpPr>
+      <p:grpSpPr>
+        <a:xfrm>
+          <a:off x="0" y="0"/>
+          <a:ext cx="0" cy="0"/>
+          <a:chOff x="0" y="0"/>
+          <a:chExt cx="0" cy="0"/>
+        </a:xfrm>
+      </p:grpSpPr>
+      <p:sp>
+        <p:nvSpPr>
+          <p:cNvPr id="2" name="Title 1"/>
+          <p:cNvSpPr>
+            <a:spLocks noGrp="1"/>
+          </p:cNvSpPr>
+          <p:nvPr>
+            <p:ph type="title"/>
+          </p:nvPr>
+        </p:nvSpPr>
+        <p:spPr>
+          <a:xfrm>
+            <a:off x="838200" y="685800"/>
+            <a:ext cx="8229600" cy="1143000"/>
+          </a:xfrm>
+        </p:spPr>
+        <p:txBody>
           <a:bodyPr>
             <a:normAutofit/>
           </a:bodyPr>
@@ -4333,158 +4445,6 @@
 </p:sld>
 </file>
 
-<file path=ppt/slides/slide14.xml><?xml version="1.0" encoding="utf-8"?>
-<p:sld xmlns:a="http://schemas.openxmlformats.org/drawingml/2006/main" xmlns:r="http://schemas.openxmlformats.org/officeDocument/2006/relationships" xmlns:p="http://schemas.openxmlformats.org/presentationml/2006/main">
-  <p:cSld>
-    <p:spTree>
-      <p:nvGrpSpPr>
-        <p:cNvPr id="1" name=""/>
-        <p:cNvGrpSpPr/>
-        <p:nvPr/>
-      </p:nvGrpSpPr>
-      <p:grpSpPr>
-        <a:xfrm>
-          <a:off x="0" y="0"/>
-          <a:ext cx="0" cy="0"/>
-          <a:chOff x="0" y="0"/>
-          <a:chExt cx="0" cy="0"/>
-        </a:xfrm>
-      </p:grpSpPr>
-      <p:sp>
-        <p:nvSpPr>
-          <p:cNvPr id="2" name="Title 1"/>
-          <p:cNvSpPr>
-            <a:spLocks noGrp="1"/>
-          </p:cNvSpPr>
-          <p:nvPr>
-            <p:ph type="title"/>
-          </p:nvPr>
-        </p:nvSpPr>
-        <p:spPr>
-          <a:xfrm>
-            <a:off x="838200" y="685800"/>
-            <a:ext cx="8229600" cy="1143000"/>
-          </a:xfrm>
-        </p:spPr>
-        <p:txBody>
-          <a:bodyPr>
-            <a:normAutofit/>
-          </a:bodyPr>
-          <a:lstStyle/>
-          <a:p>
-            <a:pPr algn="l"/>
-            <a:r>
-              <a:rPr lang="bg-BG" dirty="0" smtClean="0">
-                <a:solidFill>
-                  <a:schemeClr val="accent6"/>
-                </a:solidFill>
-              </a:rPr>
-              <a:t>Задача</a:t>
-            </a:r>
-            <a:endParaRPr lang="bg-BG" dirty="0">
-              <a:solidFill>
-                <a:schemeClr val="accent6"/>
-              </a:solidFill>
-            </a:endParaRPr>
-          </a:p>
-        </p:txBody>
-      </p:sp>
-      <p:sp>
-        <p:nvSpPr>
-          <p:cNvPr id="3" name="Content Placeholder 2"/>
-          <p:cNvSpPr>
-            <a:spLocks noGrp="1"/>
-          </p:cNvSpPr>
-          <p:nvPr>
-            <p:ph idx="1"/>
-          </p:nvPr>
-        </p:nvSpPr>
-        <p:spPr>
-          <a:xfrm>
-            <a:off x="762000" y="1676400"/>
-            <a:ext cx="7620000" cy="4525963"/>
-          </a:xfrm>
-        </p:spPr>
-        <p:txBody>
-          <a:bodyPr>
-            <a:normAutofit/>
-          </a:bodyPr>
-          <a:lstStyle/>
-          <a:p>
-            <a:pPr>
-              <a:buFont typeface="Wingdings" panose="05000000000000000000" pitchFamily="2" charset="2"/>
-              <a:buChar char="§"/>
-            </a:pPr>
-            <a:r>
-              <a:rPr lang="bg-BG" dirty="0" smtClean="0">
-                <a:solidFill>
-                  <a:schemeClr val="bg1">
-                    <a:lumMod val="95000"/>
-                  </a:schemeClr>
-                </a:solidFill>
-              </a:rPr>
-              <a:t>Напишете програма</a:t>
-            </a:r>
-            <a:r>
-              <a:rPr lang="en-US" dirty="0" smtClean="0">
-                <a:solidFill>
-                  <a:schemeClr val="bg1">
-                    <a:lumMod val="95000"/>
-                  </a:schemeClr>
-                </a:solidFill>
-              </a:rPr>
-              <a:t>,</a:t>
-            </a:r>
-            <a:r>
-              <a:rPr lang="bg-BG" dirty="0" smtClean="0">
-                <a:solidFill>
-                  <a:schemeClr val="bg1">
-                    <a:lumMod val="95000"/>
-                  </a:schemeClr>
-                </a:solidFill>
-              </a:rPr>
-              <a:t> която отпечатва на екрана числата от 1 до 10 използвайки цикълът </a:t>
-            </a:r>
-            <a:r>
-              <a:rPr lang="en-US" dirty="0" smtClean="0">
-                <a:solidFill>
-                  <a:schemeClr val="bg1">
-                    <a:lumMod val="95000"/>
-                  </a:schemeClr>
-                </a:solidFill>
-              </a:rPr>
-              <a:t>FOR.</a:t>
-            </a:r>
-            <a:endParaRPr lang="ru-RU" dirty="0" smtClean="0">
-              <a:solidFill>
-                <a:schemeClr val="bg1">
-                  <a:lumMod val="95000"/>
-                </a:schemeClr>
-              </a:solidFill>
-            </a:endParaRPr>
-          </a:p>
-        </p:txBody>
-      </p:sp>
-    </p:spTree>
-    <p:extLst>
-      <p:ext uri="{BB962C8B-B14F-4D97-AF65-F5344CB8AC3E}">
-        <p14:creationId xmlns:p14="http://schemas.microsoft.com/office/powerpoint/2010/main" val="3572194992"/>
-      </p:ext>
-    </p:extLst>
-  </p:cSld>
-  <p:clrMapOvr>
-    <a:masterClrMapping/>
-  </p:clrMapOvr>
-  <p:timing>
-    <p:tnLst>
-      <p:par>
-        <p:cTn id="1" dur="indefinite" restart="never" nodeType="tmRoot"/>
-      </p:par>
-    </p:tnLst>
-  </p:timing>
-</p:sld>
-</file>
-
 <file path=ppt/slides/slide15.xml><?xml version="1.0" encoding="utf-8"?>
 <p:sld xmlns:a="http://schemas.openxmlformats.org/drawingml/2006/main" xmlns:r="http://schemas.openxmlformats.org/officeDocument/2006/relationships" xmlns:p="http://schemas.openxmlformats.org/presentationml/2006/main">
   <p:cSld>
@@ -4515,7 +4475,7 @@
         <p:spPr>
           <a:xfrm>
             <a:off x="838200" y="685800"/>
-            <a:ext cx="8229600" cy="1676400"/>
+            <a:ext cx="8229600" cy="1143000"/>
           </a:xfrm>
         </p:spPr>
         <p:txBody>
@@ -4531,15 +4491,7 @@
                   <a:schemeClr val="accent6"/>
                 </a:solidFill>
               </a:rPr>
-              <a:t>Прекъсване на изпълнението с оператора </a:t>
-            </a:r>
-            <a:r>
-              <a:rPr lang="en-US" dirty="0" smtClean="0">
-                <a:solidFill>
-                  <a:schemeClr val="accent6"/>
-                </a:solidFill>
-              </a:rPr>
-              <a:t>BREAK</a:t>
+              <a:t>Задача</a:t>
             </a:r>
             <a:endParaRPr lang="bg-BG" dirty="0">
               <a:solidFill>
@@ -4571,9 +4523,173 @@
           </a:bodyPr>
           <a:lstStyle/>
           <a:p>
-            <a:pPr marL="0" indent="0">
-              <a:buNone/>
+            <a:pPr>
+              <a:buFont typeface="Wingdings" panose="05000000000000000000" pitchFamily="2" charset="2"/>
+              <a:buChar char="§"/>
             </a:pPr>
+            <a:r>
+              <a:rPr lang="bg-BG" dirty="0" smtClean="0">
+                <a:solidFill>
+                  <a:schemeClr val="bg1">
+                    <a:lumMod val="95000"/>
+                  </a:schemeClr>
+                </a:solidFill>
+              </a:rPr>
+              <a:t>Напишете програма</a:t>
+            </a:r>
+            <a:r>
+              <a:rPr lang="en-US" dirty="0" smtClean="0">
+                <a:solidFill>
+                  <a:schemeClr val="bg1">
+                    <a:lumMod val="95000"/>
+                  </a:schemeClr>
+                </a:solidFill>
+              </a:rPr>
+              <a:t>,</a:t>
+            </a:r>
+            <a:r>
+              <a:rPr lang="bg-BG" dirty="0" smtClean="0">
+                <a:solidFill>
+                  <a:schemeClr val="bg1">
+                    <a:lumMod val="95000"/>
+                  </a:schemeClr>
+                </a:solidFill>
+              </a:rPr>
+              <a:t> която отпечатва на екрана числата от 1 до 10 използвайки цикълът </a:t>
+            </a:r>
+            <a:r>
+              <a:rPr lang="en-US" dirty="0" smtClean="0">
+                <a:solidFill>
+                  <a:schemeClr val="bg1">
+                    <a:lumMod val="95000"/>
+                  </a:schemeClr>
+                </a:solidFill>
+              </a:rPr>
+              <a:t>FOR</a:t>
+            </a:r>
+            <a:r>
+              <a:rPr lang="en-US" dirty="0" smtClean="0">
+                <a:solidFill>
+                  <a:schemeClr val="bg1">
+                    <a:lumMod val="95000"/>
+                  </a:schemeClr>
+                </a:solidFill>
+              </a:rPr>
+              <a:t>.</a:t>
+            </a:r>
+            <a:endParaRPr lang="bg-BG" dirty="0" smtClean="0">
+              <a:solidFill>
+                <a:schemeClr val="bg1">
+                  <a:lumMod val="95000"/>
+                </a:schemeClr>
+              </a:solidFill>
+            </a:endParaRPr>
+          </a:p>
+          <a:p>
+            <a:pPr>
+              <a:buFont typeface="Wingdings" panose="05000000000000000000" pitchFamily="2" charset="2"/>
+              <a:buChar char="§"/>
+            </a:pPr>
+            <a:r>
+              <a:rPr lang="bg-BG" dirty="0">
+                <a:solidFill>
+                  <a:schemeClr val="bg1">
+                    <a:lumMod val="95000"/>
+                  </a:schemeClr>
+                </a:solidFill>
+              </a:rPr>
+              <a:t>Напишете програма</a:t>
+            </a:r>
+            <a:r>
+              <a:rPr lang="en-US" dirty="0">
+                <a:solidFill>
+                  <a:schemeClr val="bg1">
+                    <a:lumMod val="95000"/>
+                  </a:schemeClr>
+                </a:solidFill>
+              </a:rPr>
+              <a:t>,</a:t>
+            </a:r>
+            <a:r>
+              <a:rPr lang="bg-BG" dirty="0">
+                <a:solidFill>
+                  <a:schemeClr val="bg1">
+                    <a:lumMod val="95000"/>
+                  </a:schemeClr>
+                </a:solidFill>
+              </a:rPr>
+              <a:t> която отпечатва на екрана числата </a:t>
+            </a:r>
+            <a:r>
+              <a:rPr lang="bg-BG" dirty="0" smtClean="0">
+                <a:solidFill>
+                  <a:schemeClr val="bg1">
+                    <a:lumMod val="95000"/>
+                  </a:schemeClr>
+                </a:solidFill>
+              </a:rPr>
+              <a:t>от </a:t>
+            </a:r>
+            <a:r>
+              <a:rPr lang="en-US" dirty="0" smtClean="0">
+                <a:solidFill>
+                  <a:schemeClr val="bg1">
+                    <a:lumMod val="95000"/>
+                  </a:schemeClr>
+                </a:solidFill>
+              </a:rPr>
+              <a:t>N </a:t>
+            </a:r>
+            <a:r>
+              <a:rPr lang="bg-BG" dirty="0" smtClean="0">
+                <a:solidFill>
+                  <a:schemeClr val="bg1">
+                    <a:lumMod val="95000"/>
+                  </a:schemeClr>
+                </a:solidFill>
+              </a:rPr>
+              <a:t>до 0, които се делят на </a:t>
+            </a:r>
+            <a:r>
+              <a:rPr lang="en-US" dirty="0" smtClean="0">
+                <a:solidFill>
+                  <a:schemeClr val="bg1">
+                    <a:lumMod val="95000"/>
+                  </a:schemeClr>
+                </a:solidFill>
+              </a:rPr>
+              <a:t>M </a:t>
+            </a:r>
+            <a:r>
+              <a:rPr lang="bg-BG" dirty="0" smtClean="0">
+                <a:solidFill>
+                  <a:schemeClr val="bg1">
+                    <a:lumMod val="95000"/>
+                  </a:schemeClr>
+                </a:solidFill>
+              </a:rPr>
+              <a:t>и </a:t>
+            </a:r>
+            <a:r>
+              <a:rPr lang="en-US" dirty="0" smtClean="0">
+                <a:solidFill>
+                  <a:schemeClr val="bg1">
+                    <a:lumMod val="95000"/>
+                  </a:schemeClr>
+                </a:solidFill>
+              </a:rPr>
+              <a:t>K </a:t>
+            </a:r>
+            <a:r>
+              <a:rPr lang="bg-BG" smtClean="0">
+                <a:solidFill>
+                  <a:schemeClr val="bg1">
+                    <a:lumMod val="95000"/>
+                  </a:schemeClr>
+                </a:solidFill>
+              </a:rPr>
+              <a:t>без остатък.</a:t>
+            </a:r>
             <a:endParaRPr lang="ru-RU" dirty="0" smtClean="0">
               <a:solidFill>
                 <a:schemeClr val="bg1">
@@ -4582,336 +4698,12 @@
               </a:solidFill>
             </a:endParaRPr>
           </a:p>
-          <a:p>
-            <a:pPr>
-              <a:buFont typeface="Wingdings" panose="05000000000000000000" pitchFamily="2" charset="2"/>
-              <a:buChar char="§"/>
-            </a:pPr>
-            <a:r>
-              <a:rPr lang="ru-RU" dirty="0" smtClean="0">
-                <a:solidFill>
-                  <a:schemeClr val="bg1">
-                    <a:lumMod val="95000"/>
-                  </a:schemeClr>
-                </a:solidFill>
-              </a:rPr>
-              <a:t>Оператор </a:t>
-            </a:r>
-            <a:r>
-              <a:rPr lang="ru-RU" dirty="0">
-                <a:solidFill>
-                  <a:schemeClr val="bg1">
-                    <a:lumMod val="95000"/>
-                  </a:schemeClr>
-                </a:solidFill>
-              </a:rPr>
-              <a:t>BREAK </a:t>
-            </a:r>
-            <a:r>
-              <a:rPr lang="ru-RU" dirty="0" err="1" smtClean="0">
-                <a:solidFill>
-                  <a:schemeClr val="bg1">
-                    <a:lumMod val="95000"/>
-                  </a:schemeClr>
-                </a:solidFill>
-              </a:rPr>
-              <a:t>прекъсва</a:t>
-            </a:r>
-            <a:r>
-              <a:rPr lang="ru-RU" dirty="0" smtClean="0">
-                <a:solidFill>
-                  <a:schemeClr val="bg1">
-                    <a:lumMod val="95000"/>
-                  </a:schemeClr>
-                </a:solidFill>
-              </a:rPr>
-              <a:t> </a:t>
-            </a:r>
-            <a:r>
-              <a:rPr lang="ru-RU" dirty="0" err="1" smtClean="0">
-                <a:solidFill>
-                  <a:schemeClr val="bg1">
-                    <a:lumMod val="95000"/>
-                  </a:schemeClr>
-                </a:solidFill>
-              </a:rPr>
-              <a:t>изпълнението</a:t>
-            </a:r>
-            <a:r>
-              <a:rPr lang="ru-RU" dirty="0" smtClean="0">
-                <a:solidFill>
-                  <a:schemeClr val="bg1">
-                    <a:lumMod val="95000"/>
-                  </a:schemeClr>
-                </a:solidFill>
-              </a:rPr>
-              <a:t> независимо от </a:t>
-            </a:r>
-            <a:r>
-              <a:rPr lang="ru-RU" dirty="0" err="1" smtClean="0">
-                <a:solidFill>
-                  <a:schemeClr val="bg1">
-                    <a:lumMod val="95000"/>
-                  </a:schemeClr>
-                </a:solidFill>
-              </a:rPr>
-              <a:t>условието</a:t>
-            </a:r>
-            <a:r>
-              <a:rPr lang="ru-RU" dirty="0" smtClean="0">
-                <a:solidFill>
-                  <a:schemeClr val="bg1">
-                    <a:lumMod val="95000"/>
-                  </a:schemeClr>
-                </a:solidFill>
-              </a:rPr>
-              <a:t> на </a:t>
-            </a:r>
-            <a:r>
-              <a:rPr lang="ru-RU" dirty="0" err="1" smtClean="0">
-                <a:solidFill>
-                  <a:schemeClr val="bg1">
-                    <a:lumMod val="95000"/>
-                  </a:schemeClr>
-                </a:solidFill>
-              </a:rPr>
-              <a:t>цикъла</a:t>
-            </a:r>
-            <a:endParaRPr lang="ru-RU" dirty="0">
-              <a:solidFill>
-                <a:schemeClr val="bg1">
-                  <a:lumMod val="95000"/>
-                </a:schemeClr>
-              </a:solidFill>
-            </a:endParaRPr>
-          </a:p>
-          <a:p>
-            <a:pPr>
-              <a:buFont typeface="Wingdings" panose="05000000000000000000" pitchFamily="2" charset="2"/>
-              <a:buChar char="§"/>
-            </a:pPr>
-            <a:r>
-              <a:rPr lang="ru-RU" dirty="0" err="1" smtClean="0">
-                <a:solidFill>
-                  <a:schemeClr val="bg1">
-                    <a:lumMod val="95000"/>
-                  </a:schemeClr>
-                </a:solidFill>
-              </a:rPr>
-              <a:t>Важи</a:t>
-            </a:r>
-            <a:r>
-              <a:rPr lang="ru-RU" dirty="0" smtClean="0">
-                <a:solidFill>
-                  <a:schemeClr val="bg1">
-                    <a:lumMod val="95000"/>
-                  </a:schemeClr>
-                </a:solidFill>
-              </a:rPr>
-              <a:t> за </a:t>
-            </a:r>
-            <a:r>
-              <a:rPr lang="ru-RU" dirty="0" err="1" smtClean="0">
-                <a:solidFill>
-                  <a:schemeClr val="bg1">
-                    <a:lumMod val="95000"/>
-                  </a:schemeClr>
-                </a:solidFill>
-              </a:rPr>
-              <a:t>всички</a:t>
-            </a:r>
-            <a:r>
-              <a:rPr lang="ru-RU" dirty="0" smtClean="0">
-                <a:solidFill>
-                  <a:schemeClr val="bg1">
-                    <a:lumMod val="95000"/>
-                  </a:schemeClr>
-                </a:solidFill>
-              </a:rPr>
-              <a:t> </a:t>
-            </a:r>
-            <a:r>
-              <a:rPr lang="ru-RU" dirty="0" err="1" smtClean="0">
-                <a:solidFill>
-                  <a:schemeClr val="bg1">
-                    <a:lumMod val="95000"/>
-                  </a:schemeClr>
-                </a:solidFill>
-              </a:rPr>
-              <a:t>типове</a:t>
-            </a:r>
-            <a:r>
-              <a:rPr lang="ru-RU" dirty="0" smtClean="0">
-                <a:solidFill>
-                  <a:schemeClr val="bg1">
-                    <a:lumMod val="95000"/>
-                  </a:schemeClr>
-                </a:solidFill>
-              </a:rPr>
-              <a:t> цикли</a:t>
-            </a:r>
-            <a:endParaRPr lang="ru-RU" dirty="0">
-              <a:solidFill>
-                <a:schemeClr val="bg1">
-                  <a:lumMod val="95000"/>
-                </a:schemeClr>
-              </a:solidFill>
-            </a:endParaRPr>
-          </a:p>
-          <a:p>
-            <a:pPr>
-              <a:buFont typeface="Wingdings" panose="05000000000000000000" pitchFamily="2" charset="2"/>
-              <a:buChar char="§"/>
-            </a:pPr>
-            <a:r>
-              <a:rPr lang="ru-RU" dirty="0" err="1" smtClean="0">
-                <a:solidFill>
-                  <a:schemeClr val="bg1">
-                    <a:lumMod val="95000"/>
-                  </a:schemeClr>
-                </a:solidFill>
-              </a:rPr>
-              <a:t>Кодъ</a:t>
-            </a:r>
-            <a:r>
-              <a:rPr lang="bg-BG" dirty="0" smtClean="0">
-                <a:solidFill>
-                  <a:schemeClr val="bg1">
-                    <a:lumMod val="95000"/>
-                  </a:schemeClr>
-                </a:solidFill>
-              </a:rPr>
-              <a:t>т</a:t>
-            </a:r>
-            <a:r>
-              <a:rPr lang="ru-RU" dirty="0" smtClean="0">
-                <a:solidFill>
-                  <a:schemeClr val="bg1">
-                    <a:lumMod val="95000"/>
-                  </a:schemeClr>
-                </a:solidFill>
-              </a:rPr>
-              <a:t> в </a:t>
-            </a:r>
-            <a:r>
-              <a:rPr lang="ru-RU" dirty="0" err="1" smtClean="0">
-                <a:solidFill>
-                  <a:schemeClr val="bg1">
-                    <a:lumMod val="95000"/>
-                  </a:schemeClr>
-                </a:solidFill>
-              </a:rPr>
-              <a:t>цикъла</a:t>
-            </a:r>
-            <a:r>
-              <a:rPr lang="ru-RU" dirty="0" smtClean="0">
-                <a:solidFill>
-                  <a:schemeClr val="bg1">
-                    <a:lumMod val="95000"/>
-                  </a:schemeClr>
-                </a:solidFill>
-              </a:rPr>
-              <a:t> след </a:t>
-            </a:r>
-            <a:r>
-              <a:rPr lang="en-US" dirty="0" smtClean="0">
-                <a:solidFill>
-                  <a:schemeClr val="bg1">
-                    <a:lumMod val="95000"/>
-                  </a:schemeClr>
-                </a:solidFill>
-              </a:rPr>
-              <a:t>break </a:t>
-            </a:r>
-            <a:r>
-              <a:rPr lang="bg-BG" dirty="0" smtClean="0">
-                <a:solidFill>
-                  <a:schemeClr val="bg1">
-                    <a:lumMod val="95000"/>
-                  </a:schemeClr>
-                </a:solidFill>
-              </a:rPr>
-              <a:t>не се изпълнява</a:t>
-            </a:r>
-            <a:endParaRPr lang="ru-RU" dirty="0">
-              <a:solidFill>
-                <a:schemeClr val="bg1">
-                  <a:lumMod val="95000"/>
-                </a:schemeClr>
-              </a:solidFill>
-            </a:endParaRPr>
-          </a:p>
-          <a:p>
-            <a:pPr>
-              <a:buFont typeface="Wingdings" panose="05000000000000000000" pitchFamily="2" charset="2"/>
-              <a:buChar char="§"/>
-            </a:pPr>
-            <a:r>
-              <a:rPr lang="ru-RU" dirty="0" err="1" smtClean="0">
-                <a:solidFill>
-                  <a:schemeClr val="bg1">
-                    <a:lumMod val="95000"/>
-                  </a:schemeClr>
-                </a:solidFill>
-              </a:rPr>
-              <a:t>Използвайте</a:t>
-            </a:r>
-            <a:r>
-              <a:rPr lang="ru-RU" dirty="0" smtClean="0">
-                <a:solidFill>
-                  <a:schemeClr val="bg1">
-                    <a:lumMod val="95000"/>
-                  </a:schemeClr>
-                </a:solidFill>
-              </a:rPr>
-              <a:t> </a:t>
-            </a:r>
-            <a:r>
-              <a:rPr lang="en-US" dirty="0" smtClean="0">
-                <a:solidFill>
-                  <a:schemeClr val="bg1">
-                    <a:lumMod val="95000"/>
-                  </a:schemeClr>
-                </a:solidFill>
-              </a:rPr>
-              <a:t>break </a:t>
-            </a:r>
-            <a:r>
-              <a:rPr lang="bg-BG" dirty="0" smtClean="0">
-                <a:solidFill>
-                  <a:schemeClr val="bg1">
-                    <a:lumMod val="95000"/>
-                  </a:schemeClr>
-                </a:solidFill>
-              </a:rPr>
-              <a:t>само, когато се налага</a:t>
-            </a:r>
-            <a:endParaRPr lang="ru-RU" dirty="0">
-              <a:solidFill>
-                <a:schemeClr val="bg1">
-                  <a:lumMod val="95000"/>
-                </a:schemeClr>
-              </a:solidFill>
-            </a:endParaRPr>
-          </a:p>
-          <a:p>
-            <a:pPr marL="0" indent="0">
-              <a:buNone/>
-            </a:pPr>
-            <a:endParaRPr lang="ru-RU" dirty="0">
-              <a:solidFill>
-                <a:schemeClr val="bg1">
-                  <a:lumMod val="95000"/>
-                </a:schemeClr>
-              </a:solidFill>
-            </a:endParaRPr>
-          </a:p>
         </p:txBody>
       </p:sp>
     </p:spTree>
     <p:extLst>
       <p:ext uri="{BB962C8B-B14F-4D97-AF65-F5344CB8AC3E}">
-        <p14:creationId xmlns:p14="http://schemas.microsoft.com/office/powerpoint/2010/main" val="2457593930"/>
+        <p14:creationId xmlns:p14="http://schemas.microsoft.com/office/powerpoint/2010/main" val="3572194992"/>
       </p:ext>
     </p:extLst>
   </p:cSld>
@@ -4958,6 +4750,449 @@
         <p:spPr>
           <a:xfrm>
             <a:off x="838200" y="685800"/>
+            <a:ext cx="8229600" cy="1676400"/>
+          </a:xfrm>
+        </p:spPr>
+        <p:txBody>
+          <a:bodyPr>
+            <a:normAutofit/>
+          </a:bodyPr>
+          <a:lstStyle/>
+          <a:p>
+            <a:pPr algn="l"/>
+            <a:r>
+              <a:rPr lang="bg-BG" dirty="0" smtClean="0">
+                <a:solidFill>
+                  <a:schemeClr val="accent6"/>
+                </a:solidFill>
+              </a:rPr>
+              <a:t>Прекъсване на изпълнението с оператора </a:t>
+            </a:r>
+            <a:r>
+              <a:rPr lang="en-US" dirty="0" smtClean="0">
+                <a:solidFill>
+                  <a:schemeClr val="accent6"/>
+                </a:solidFill>
+              </a:rPr>
+              <a:t>BREAK</a:t>
+            </a:r>
+            <a:endParaRPr lang="bg-BG" dirty="0">
+              <a:solidFill>
+                <a:schemeClr val="accent6"/>
+              </a:solidFill>
+            </a:endParaRPr>
+          </a:p>
+        </p:txBody>
+      </p:sp>
+      <p:sp>
+        <p:nvSpPr>
+          <p:cNvPr id="3" name="Content Placeholder 2"/>
+          <p:cNvSpPr>
+            <a:spLocks noGrp="1"/>
+          </p:cNvSpPr>
+          <p:nvPr>
+            <p:ph idx="1"/>
+          </p:nvPr>
+        </p:nvSpPr>
+        <p:spPr>
+          <a:xfrm>
+            <a:off x="762000" y="1676400"/>
+            <a:ext cx="7620000" cy="4525963"/>
+          </a:xfrm>
+        </p:spPr>
+        <p:txBody>
+          <a:bodyPr>
+            <a:normAutofit/>
+          </a:bodyPr>
+          <a:lstStyle/>
+          <a:p>
+            <a:pPr marL="0" indent="0">
+              <a:buNone/>
+            </a:pPr>
+            <a:endParaRPr lang="ru-RU" dirty="0" smtClean="0">
+              <a:solidFill>
+                <a:schemeClr val="bg1">
+                  <a:lumMod val="95000"/>
+                </a:schemeClr>
+              </a:solidFill>
+            </a:endParaRPr>
+          </a:p>
+          <a:p>
+            <a:pPr>
+              <a:buFont typeface="Wingdings" panose="05000000000000000000" pitchFamily="2" charset="2"/>
+              <a:buChar char="§"/>
+            </a:pPr>
+            <a:r>
+              <a:rPr lang="ru-RU" dirty="0" smtClean="0">
+                <a:solidFill>
+                  <a:schemeClr val="bg1">
+                    <a:lumMod val="95000"/>
+                  </a:schemeClr>
+                </a:solidFill>
+              </a:rPr>
+              <a:t>Оператор </a:t>
+            </a:r>
+            <a:r>
+              <a:rPr lang="ru-RU" dirty="0">
+                <a:solidFill>
+                  <a:schemeClr val="bg1">
+                    <a:lumMod val="95000"/>
+                  </a:schemeClr>
+                </a:solidFill>
+              </a:rPr>
+              <a:t>BREAK </a:t>
+            </a:r>
+            <a:r>
+              <a:rPr lang="ru-RU" dirty="0" err="1" smtClean="0">
+                <a:solidFill>
+                  <a:schemeClr val="bg1">
+                    <a:lumMod val="95000"/>
+                  </a:schemeClr>
+                </a:solidFill>
+              </a:rPr>
+              <a:t>прекъсва</a:t>
+            </a:r>
+            <a:r>
+              <a:rPr lang="ru-RU" dirty="0" smtClean="0">
+                <a:solidFill>
+                  <a:schemeClr val="bg1">
+                    <a:lumMod val="95000"/>
+                  </a:schemeClr>
+                </a:solidFill>
+              </a:rPr>
+              <a:t> </a:t>
+            </a:r>
+            <a:r>
+              <a:rPr lang="ru-RU" dirty="0" err="1" smtClean="0">
+                <a:solidFill>
+                  <a:schemeClr val="bg1">
+                    <a:lumMod val="95000"/>
+                  </a:schemeClr>
+                </a:solidFill>
+              </a:rPr>
+              <a:t>изпълнението</a:t>
+            </a:r>
+            <a:r>
+              <a:rPr lang="ru-RU" dirty="0" smtClean="0">
+                <a:solidFill>
+                  <a:schemeClr val="bg1">
+                    <a:lumMod val="95000"/>
+                  </a:schemeClr>
+                </a:solidFill>
+              </a:rPr>
+              <a:t> независимо от </a:t>
+            </a:r>
+            <a:r>
+              <a:rPr lang="ru-RU" dirty="0" err="1" smtClean="0">
+                <a:solidFill>
+                  <a:schemeClr val="bg1">
+                    <a:lumMod val="95000"/>
+                  </a:schemeClr>
+                </a:solidFill>
+              </a:rPr>
+              <a:t>условието</a:t>
+            </a:r>
+            <a:r>
+              <a:rPr lang="ru-RU" dirty="0" smtClean="0">
+                <a:solidFill>
+                  <a:schemeClr val="bg1">
+                    <a:lumMod val="95000"/>
+                  </a:schemeClr>
+                </a:solidFill>
+              </a:rPr>
+              <a:t> на </a:t>
+            </a:r>
+            <a:r>
+              <a:rPr lang="ru-RU" dirty="0" err="1" smtClean="0">
+                <a:solidFill>
+                  <a:schemeClr val="bg1">
+                    <a:lumMod val="95000"/>
+                  </a:schemeClr>
+                </a:solidFill>
+              </a:rPr>
+              <a:t>цикъла</a:t>
+            </a:r>
+            <a:endParaRPr lang="ru-RU" dirty="0">
+              <a:solidFill>
+                <a:schemeClr val="bg1">
+                  <a:lumMod val="95000"/>
+                </a:schemeClr>
+              </a:solidFill>
+            </a:endParaRPr>
+          </a:p>
+          <a:p>
+            <a:pPr>
+              <a:buFont typeface="Wingdings" panose="05000000000000000000" pitchFamily="2" charset="2"/>
+              <a:buChar char="§"/>
+            </a:pPr>
+            <a:r>
+              <a:rPr lang="ru-RU" dirty="0" err="1" smtClean="0">
+                <a:solidFill>
+                  <a:schemeClr val="bg1">
+                    <a:lumMod val="95000"/>
+                  </a:schemeClr>
+                </a:solidFill>
+              </a:rPr>
+              <a:t>Важи</a:t>
+            </a:r>
+            <a:r>
+              <a:rPr lang="ru-RU" dirty="0" smtClean="0">
+                <a:solidFill>
+                  <a:schemeClr val="bg1">
+                    <a:lumMod val="95000"/>
+                  </a:schemeClr>
+                </a:solidFill>
+              </a:rPr>
+              <a:t> за </a:t>
+            </a:r>
+            <a:r>
+              <a:rPr lang="ru-RU" dirty="0" err="1" smtClean="0">
+                <a:solidFill>
+                  <a:schemeClr val="bg1">
+                    <a:lumMod val="95000"/>
+                  </a:schemeClr>
+                </a:solidFill>
+              </a:rPr>
+              <a:t>всички</a:t>
+            </a:r>
+            <a:r>
+              <a:rPr lang="ru-RU" dirty="0" smtClean="0">
+                <a:solidFill>
+                  <a:schemeClr val="bg1">
+                    <a:lumMod val="95000"/>
+                  </a:schemeClr>
+                </a:solidFill>
+              </a:rPr>
+              <a:t> </a:t>
+            </a:r>
+            <a:r>
+              <a:rPr lang="ru-RU" dirty="0" err="1" smtClean="0">
+                <a:solidFill>
+                  <a:schemeClr val="bg1">
+                    <a:lumMod val="95000"/>
+                  </a:schemeClr>
+                </a:solidFill>
+              </a:rPr>
+              <a:t>типове</a:t>
+            </a:r>
+            <a:r>
+              <a:rPr lang="ru-RU" dirty="0" smtClean="0">
+                <a:solidFill>
+                  <a:schemeClr val="bg1">
+                    <a:lumMod val="95000"/>
+                  </a:schemeClr>
+                </a:solidFill>
+              </a:rPr>
+              <a:t> цикли</a:t>
+            </a:r>
+            <a:endParaRPr lang="ru-RU" dirty="0">
+              <a:solidFill>
+                <a:schemeClr val="bg1">
+                  <a:lumMod val="95000"/>
+                </a:schemeClr>
+              </a:solidFill>
+            </a:endParaRPr>
+          </a:p>
+          <a:p>
+            <a:pPr>
+              <a:buFont typeface="Wingdings" panose="05000000000000000000" pitchFamily="2" charset="2"/>
+              <a:buChar char="§"/>
+            </a:pPr>
+            <a:r>
+              <a:rPr lang="ru-RU" dirty="0" err="1" smtClean="0">
+                <a:solidFill>
+                  <a:schemeClr val="bg1">
+                    <a:lumMod val="95000"/>
+                  </a:schemeClr>
+                </a:solidFill>
+              </a:rPr>
+              <a:t>Кодъ</a:t>
+            </a:r>
+            <a:r>
+              <a:rPr lang="bg-BG" dirty="0" smtClean="0">
+                <a:solidFill>
+                  <a:schemeClr val="bg1">
+                    <a:lumMod val="95000"/>
+                  </a:schemeClr>
+                </a:solidFill>
+              </a:rPr>
+              <a:t>т</a:t>
+            </a:r>
+            <a:r>
+              <a:rPr lang="ru-RU" dirty="0" smtClean="0">
+                <a:solidFill>
+                  <a:schemeClr val="bg1">
+                    <a:lumMod val="95000"/>
+                  </a:schemeClr>
+                </a:solidFill>
+              </a:rPr>
+              <a:t> в </a:t>
+            </a:r>
+            <a:r>
+              <a:rPr lang="ru-RU" dirty="0" err="1" smtClean="0">
+                <a:solidFill>
+                  <a:schemeClr val="bg1">
+                    <a:lumMod val="95000"/>
+                  </a:schemeClr>
+                </a:solidFill>
+              </a:rPr>
+              <a:t>цикъла</a:t>
+            </a:r>
+            <a:r>
+              <a:rPr lang="ru-RU" dirty="0" smtClean="0">
+                <a:solidFill>
+                  <a:schemeClr val="bg1">
+                    <a:lumMod val="95000"/>
+                  </a:schemeClr>
+                </a:solidFill>
+              </a:rPr>
+              <a:t> след </a:t>
+            </a:r>
+            <a:r>
+              <a:rPr lang="en-US" dirty="0" smtClean="0">
+                <a:solidFill>
+                  <a:schemeClr val="bg1">
+                    <a:lumMod val="95000"/>
+                  </a:schemeClr>
+                </a:solidFill>
+              </a:rPr>
+              <a:t>break </a:t>
+            </a:r>
+            <a:r>
+              <a:rPr lang="bg-BG" dirty="0" smtClean="0">
+                <a:solidFill>
+                  <a:schemeClr val="bg1">
+                    <a:lumMod val="95000"/>
+                  </a:schemeClr>
+                </a:solidFill>
+              </a:rPr>
+              <a:t>не се изпълнява</a:t>
+            </a:r>
+            <a:endParaRPr lang="ru-RU" dirty="0">
+              <a:solidFill>
+                <a:schemeClr val="bg1">
+                  <a:lumMod val="95000"/>
+                </a:schemeClr>
+              </a:solidFill>
+            </a:endParaRPr>
+          </a:p>
+          <a:p>
+            <a:pPr>
+              <a:buFont typeface="Wingdings" panose="05000000000000000000" pitchFamily="2" charset="2"/>
+              <a:buChar char="§"/>
+            </a:pPr>
+            <a:r>
+              <a:rPr lang="ru-RU" dirty="0" err="1" smtClean="0">
+                <a:solidFill>
+                  <a:schemeClr val="bg1">
+                    <a:lumMod val="95000"/>
+                  </a:schemeClr>
+                </a:solidFill>
+              </a:rPr>
+              <a:t>Използвайте</a:t>
+            </a:r>
+            <a:r>
+              <a:rPr lang="ru-RU" dirty="0" smtClean="0">
+                <a:solidFill>
+                  <a:schemeClr val="bg1">
+                    <a:lumMod val="95000"/>
+                  </a:schemeClr>
+                </a:solidFill>
+              </a:rPr>
+              <a:t> </a:t>
+            </a:r>
+            <a:r>
+              <a:rPr lang="en-US" dirty="0" smtClean="0">
+                <a:solidFill>
+                  <a:schemeClr val="bg1">
+                    <a:lumMod val="95000"/>
+                  </a:schemeClr>
+                </a:solidFill>
+              </a:rPr>
+              <a:t>break </a:t>
+            </a:r>
+            <a:r>
+              <a:rPr lang="bg-BG" dirty="0" smtClean="0">
+                <a:solidFill>
+                  <a:schemeClr val="bg1">
+                    <a:lumMod val="95000"/>
+                  </a:schemeClr>
+                </a:solidFill>
+              </a:rPr>
+              <a:t>само, когато се налага</a:t>
+            </a:r>
+            <a:endParaRPr lang="ru-RU" dirty="0">
+              <a:solidFill>
+                <a:schemeClr val="bg1">
+                  <a:lumMod val="95000"/>
+                </a:schemeClr>
+              </a:solidFill>
+            </a:endParaRPr>
+          </a:p>
+          <a:p>
+            <a:pPr marL="0" indent="0">
+              <a:buNone/>
+            </a:pPr>
+            <a:endParaRPr lang="ru-RU" dirty="0">
+              <a:solidFill>
+                <a:schemeClr val="bg1">
+                  <a:lumMod val="95000"/>
+                </a:schemeClr>
+              </a:solidFill>
+            </a:endParaRPr>
+          </a:p>
+        </p:txBody>
+      </p:sp>
+    </p:spTree>
+    <p:extLst>
+      <p:ext uri="{BB962C8B-B14F-4D97-AF65-F5344CB8AC3E}">
+        <p14:creationId xmlns:p14="http://schemas.microsoft.com/office/powerpoint/2010/main" val="2457593930"/>
+      </p:ext>
+    </p:extLst>
+  </p:cSld>
+  <p:clrMapOvr>
+    <a:masterClrMapping/>
+  </p:clrMapOvr>
+  <p:timing>
+    <p:tnLst>
+      <p:par>
+        <p:cTn id="1" dur="indefinite" restart="never" nodeType="tmRoot"/>
+      </p:par>
+    </p:tnLst>
+  </p:timing>
+</p:sld>
+</file>
+
+<file path=ppt/slides/slide17.xml><?xml version="1.0" encoding="utf-8"?>
+<p:sld xmlns:a="http://schemas.openxmlformats.org/drawingml/2006/main" xmlns:r="http://schemas.openxmlformats.org/officeDocument/2006/relationships" xmlns:p="http://schemas.openxmlformats.org/presentationml/2006/main">
+  <p:cSld>
+    <p:spTree>
+      <p:nvGrpSpPr>
+        <p:cNvPr id="1" name=""/>
+        <p:cNvGrpSpPr/>
+        <p:nvPr/>
+      </p:nvGrpSpPr>
+      <p:grpSpPr>
+        <a:xfrm>
+          <a:off x="0" y="0"/>
+          <a:ext cx="0" cy="0"/>
+          <a:chOff x="0" y="0"/>
+          <a:chExt cx="0" cy="0"/>
+        </a:xfrm>
+      </p:grpSpPr>
+      <p:sp>
+        <p:nvSpPr>
+          <p:cNvPr id="2" name="Title 1"/>
+          <p:cNvSpPr>
+            <a:spLocks noGrp="1"/>
+          </p:cNvSpPr>
+          <p:nvPr>
+            <p:ph type="title"/>
+          </p:nvPr>
+        </p:nvSpPr>
+        <p:spPr>
+          <a:xfrm>
+            <a:off x="838200" y="685800"/>
             <a:ext cx="8229600" cy="1143000"/>
           </a:xfrm>
         </p:spPr>
@@ -5061,7 +5296,7 @@
 </p:sld>
 </file>
 
-<file path=ppt/slides/slide17.xml><?xml version="1.0" encoding="utf-8"?>
+<file path=ppt/slides/slide18.xml><?xml version="1.0" encoding="utf-8"?>
 <p:sld xmlns:a="http://schemas.openxmlformats.org/drawingml/2006/main" xmlns:r="http://schemas.openxmlformats.org/officeDocument/2006/relationships" xmlns:p="http://schemas.openxmlformats.org/presentationml/2006/main">
   <p:cSld>
     <p:spTree>
@@ -5403,7 +5638,7 @@
 </p:sld>
 </file>
 
-<file path=ppt/slides/slide18.xml><?xml version="1.0" encoding="utf-8"?>
+<file path=ppt/slides/slide19.xml><?xml version="1.0" encoding="utf-8"?>
 <p:sld xmlns:a="http://schemas.openxmlformats.org/drawingml/2006/main" xmlns:r="http://schemas.openxmlformats.org/officeDocument/2006/relationships" xmlns:p="http://schemas.openxmlformats.org/presentationml/2006/main">
   <p:cSld>
     <p:spTree>
@@ -5533,189 +5768,6 @@
       </p:par>
     </p:tnLst>
   </p:timing>
-</p:sld>
-</file>
-
-<file path=ppt/slides/slide19.xml><?xml version="1.0" encoding="utf-8"?>
-<p:sld xmlns:a="http://schemas.openxmlformats.org/drawingml/2006/main" xmlns:r="http://schemas.openxmlformats.org/officeDocument/2006/relationships" xmlns:p="http://schemas.openxmlformats.org/presentationml/2006/main">
-  <p:cSld>
-    <p:spTree>
-      <p:nvGrpSpPr>
-        <p:cNvPr id="1" name=""/>
-        <p:cNvGrpSpPr/>
-        <p:nvPr/>
-      </p:nvGrpSpPr>
-      <p:grpSpPr>
-        <a:xfrm>
-          <a:off x="0" y="0"/>
-          <a:ext cx="0" cy="0"/>
-          <a:chOff x="0" y="0"/>
-          <a:chExt cx="0" cy="0"/>
-        </a:xfrm>
-      </p:grpSpPr>
-      <p:sp>
-        <p:nvSpPr>
-          <p:cNvPr id="2" name="Title 1"/>
-          <p:cNvSpPr>
-            <a:spLocks noGrp="1"/>
-          </p:cNvSpPr>
-          <p:nvPr>
-            <p:ph type="title"/>
-          </p:nvPr>
-        </p:nvSpPr>
-        <p:spPr>
-          <a:xfrm>
-            <a:off x="838200" y="685800"/>
-            <a:ext cx="8229600" cy="1143000"/>
-          </a:xfrm>
-        </p:spPr>
-        <p:txBody>
-          <a:bodyPr/>
-          <a:lstStyle/>
-          <a:p>
-            <a:pPr algn="l"/>
-            <a:r>
-              <a:rPr lang="bg-BG" dirty="0" smtClean="0">
-                <a:solidFill>
-                  <a:schemeClr val="accent6"/>
-                </a:solidFill>
-              </a:rPr>
-              <a:t>Въпроси</a:t>
-            </a:r>
-            <a:endParaRPr lang="bg-BG" dirty="0">
-              <a:solidFill>
-                <a:schemeClr val="accent6"/>
-              </a:solidFill>
-            </a:endParaRPr>
-          </a:p>
-        </p:txBody>
-      </p:sp>
-      <p:sp>
-        <p:nvSpPr>
-          <p:cNvPr id="3" name="Content Placeholder 2"/>
-          <p:cNvSpPr>
-            <a:spLocks noGrp="1"/>
-          </p:cNvSpPr>
-          <p:nvPr>
-            <p:ph idx="1"/>
-          </p:nvPr>
-        </p:nvSpPr>
-        <p:spPr>
-          <a:xfrm>
-            <a:off x="762000" y="1676400"/>
-            <a:ext cx="7620000" cy="4525963"/>
-          </a:xfrm>
-        </p:spPr>
-        <p:txBody>
-          <a:bodyPr>
-            <a:normAutofit/>
-          </a:bodyPr>
-          <a:lstStyle/>
-          <a:p>
-            <a:pPr>
-              <a:buFont typeface="Wingdings" panose="05000000000000000000" pitchFamily="2" charset="2"/>
-              <a:buChar char="§"/>
-            </a:pPr>
-            <a:endParaRPr lang="en-US" dirty="0">
-              <a:solidFill>
-                <a:schemeClr val="bg1">
-                  <a:lumMod val="95000"/>
-                </a:schemeClr>
-              </a:solidFill>
-            </a:endParaRPr>
-          </a:p>
-          <a:p>
-            <a:pPr>
-              <a:buFont typeface="Wingdings" panose="05000000000000000000" pitchFamily="2" charset="2"/>
-              <a:buChar char="§"/>
-            </a:pPr>
-            <a:endParaRPr lang="en-US" dirty="0">
-              <a:solidFill>
-                <a:schemeClr val="bg1">
-                  <a:lumMod val="95000"/>
-                </a:schemeClr>
-              </a:solidFill>
-            </a:endParaRPr>
-          </a:p>
-          <a:p>
-            <a:pPr>
-              <a:buFont typeface="Wingdings" panose="05000000000000000000" pitchFamily="2" charset="2"/>
-              <a:buChar char="§"/>
-            </a:pPr>
-            <a:endParaRPr lang="en-US" dirty="0">
-              <a:solidFill>
-                <a:schemeClr val="bg1">
-                  <a:lumMod val="95000"/>
-                </a:schemeClr>
-              </a:solidFill>
-            </a:endParaRPr>
-          </a:p>
-          <a:p>
-            <a:pPr>
-              <a:buFont typeface="Wingdings" panose="05000000000000000000" pitchFamily="2" charset="2"/>
-              <a:buChar char="§"/>
-            </a:pPr>
-            <a:endParaRPr lang="en-US" dirty="0">
-              <a:solidFill>
-                <a:schemeClr val="bg1">
-                  <a:lumMod val="95000"/>
-                </a:schemeClr>
-              </a:solidFill>
-            </a:endParaRPr>
-          </a:p>
-        </p:txBody>
-      </p:sp>
-      <p:pic>
-        <p:nvPicPr>
-          <p:cNvPr id="1027" name="Picture 3" descr="C:\Users\Lazar\Desktop\01-red-question-mark1.jpg"/>
-          <p:cNvPicPr>
-            <a:picLocks noChangeAspect="1" noChangeArrowheads="1"/>
-          </p:cNvPicPr>
-          <p:nvPr/>
-        </p:nvPicPr>
-        <p:blipFill>
-          <a:blip r:embed="rId2" cstate="print">
-            <a:extLst>
-              <a:ext uri="{28A0092B-C50C-407E-A947-70E740481C1C}">
-                <a14:useLocalDpi xmlns:a14="http://schemas.microsoft.com/office/drawing/2010/main" val="0"/>
-              </a:ext>
-            </a:extLst>
-          </a:blip>
-          <a:srcRect/>
-          <a:stretch>
-            <a:fillRect/>
-          </a:stretch>
-        </p:blipFill>
-        <p:spPr bwMode="auto">
-          <a:xfrm>
-            <a:off x="3505200" y="2057400"/>
-            <a:ext cx="2419082" cy="2419082"/>
-          </a:xfrm>
-          <a:prstGeom prst="rect">
-            <a:avLst/>
-          </a:prstGeom>
-          <a:noFill/>
-          <a:extLst>
-            <a:ext uri="{909E8E84-426E-40DD-AFC4-6F175D3DCCD1}">
-              <a14:hiddenFill xmlns:a14="http://schemas.microsoft.com/office/drawing/2010/main">
-                <a:solidFill>
-                  <a:srgbClr val="FFFFFF"/>
-                </a:solidFill>
-              </a14:hiddenFill>
-            </a:ext>
-          </a:extLst>
-        </p:spPr>
-      </p:pic>
-    </p:spTree>
-    <p:extLst>
-      <p:ext uri="{BB962C8B-B14F-4D97-AF65-F5344CB8AC3E}">
-        <p14:creationId xmlns:p14="http://schemas.microsoft.com/office/powerpoint/2010/main" val="3854716579"/>
-      </p:ext>
-    </p:extLst>
-  </p:cSld>
-  <p:clrMapOvr>
-    <a:masterClrMapping/>
-  </p:clrMapOvr>
 </p:sld>
 </file>
 
@@ -6347,7 +6399,7 @@
                   <a:schemeClr val="accent6"/>
                 </a:solidFill>
               </a:rPr>
-              <a:t>Задачи за домашна работа</a:t>
+              <a:t>Въпроси</a:t>
             </a:r>
             <a:endParaRPr lang="bg-BG" dirty="0">
               <a:solidFill>
@@ -6370,12 +6422,12 @@
         <p:spPr>
           <a:xfrm>
             <a:off x="762000" y="1676400"/>
-            <a:ext cx="7620000" cy="4876800"/>
+            <a:ext cx="7620000" cy="4525963"/>
           </a:xfrm>
         </p:spPr>
         <p:txBody>
           <a:bodyPr>
-            <a:noAutofit/>
+            <a:normAutofit/>
           </a:bodyPr>
           <a:lstStyle/>
           <a:p>
@@ -6383,515 +6435,7 @@
               <a:buFont typeface="Wingdings" panose="05000000000000000000" pitchFamily="2" charset="2"/>
               <a:buChar char="§"/>
             </a:pPr>
-            <a:r>
-              <a:rPr lang="ru-RU" sz="2000" dirty="0">
-                <a:solidFill>
-                  <a:schemeClr val="bg1">
-                    <a:lumMod val="95000"/>
-                  </a:schemeClr>
-                </a:solidFill>
-              </a:rPr>
-              <a:t>Напишете </a:t>
-            </a:r>
-            <a:r>
-              <a:rPr lang="ru-RU" sz="2000" dirty="0" err="1">
-                <a:solidFill>
-                  <a:schemeClr val="bg1">
-                    <a:lumMod val="95000"/>
-                  </a:schemeClr>
-                </a:solidFill>
-              </a:rPr>
-              <a:t>програма</a:t>
-            </a:r>
-            <a:r>
-              <a:rPr lang="ru-RU" sz="2000" dirty="0">
-                <a:solidFill>
-                  <a:schemeClr val="bg1">
-                    <a:lumMod val="95000"/>
-                  </a:schemeClr>
-                </a:solidFill>
-              </a:rPr>
-              <a:t>, </a:t>
-            </a:r>
-            <a:r>
-              <a:rPr lang="ru-RU" sz="2000" dirty="0" err="1">
-                <a:solidFill>
-                  <a:schemeClr val="bg1">
-                    <a:lumMod val="95000"/>
-                  </a:schemeClr>
-                </a:solidFill>
-              </a:rPr>
-              <a:t>която</a:t>
-            </a:r>
-            <a:r>
-              <a:rPr lang="ru-RU" sz="2000" dirty="0">
-                <a:solidFill>
-                  <a:schemeClr val="bg1">
-                    <a:lumMod val="95000"/>
-                  </a:schemeClr>
-                </a:solidFill>
-              </a:rPr>
-              <a:t> </a:t>
-            </a:r>
-            <a:r>
-              <a:rPr lang="ru-RU" sz="2000" dirty="0" err="1">
-                <a:solidFill>
-                  <a:schemeClr val="bg1">
-                    <a:lumMod val="95000"/>
-                  </a:schemeClr>
-                </a:solidFill>
-              </a:rPr>
-              <a:t>отпечатва</a:t>
-            </a:r>
-            <a:r>
-              <a:rPr lang="ru-RU" sz="2000" dirty="0">
-                <a:solidFill>
-                  <a:schemeClr val="bg1">
-                    <a:lumMod val="95000"/>
-                  </a:schemeClr>
-                </a:solidFill>
-              </a:rPr>
-              <a:t> на </a:t>
-            </a:r>
-            <a:r>
-              <a:rPr lang="ru-RU" sz="2000" dirty="0" err="1">
-                <a:solidFill>
-                  <a:schemeClr val="bg1">
-                    <a:lumMod val="95000"/>
-                  </a:schemeClr>
-                </a:solidFill>
-              </a:rPr>
-              <a:t>конзолата</a:t>
-            </a:r>
-            <a:r>
-              <a:rPr lang="ru-RU" sz="2000" dirty="0">
-                <a:solidFill>
-                  <a:schemeClr val="bg1">
-                    <a:lumMod val="95000"/>
-                  </a:schemeClr>
-                </a:solidFill>
-              </a:rPr>
-              <a:t> </a:t>
-            </a:r>
-            <a:r>
-              <a:rPr lang="ru-RU" sz="2000" dirty="0" err="1">
-                <a:solidFill>
-                  <a:schemeClr val="bg1">
-                    <a:lumMod val="95000"/>
-                  </a:schemeClr>
-                </a:solidFill>
-              </a:rPr>
-              <a:t>числата</a:t>
-            </a:r>
-            <a:r>
-              <a:rPr lang="ru-RU" sz="2000" dirty="0">
-                <a:solidFill>
-                  <a:schemeClr val="bg1">
-                    <a:lumMod val="95000"/>
-                  </a:schemeClr>
-                </a:solidFill>
-              </a:rPr>
-              <a:t> от 1 до N. </a:t>
-            </a:r>
-            <a:r>
-              <a:rPr lang="ru-RU" sz="2000" dirty="0" err="1">
-                <a:solidFill>
-                  <a:schemeClr val="bg1">
-                    <a:lumMod val="95000"/>
-                  </a:schemeClr>
-                </a:solidFill>
-              </a:rPr>
-              <a:t>Числото</a:t>
-            </a:r>
-            <a:r>
-              <a:rPr lang="ru-RU" sz="2000" dirty="0">
-                <a:solidFill>
-                  <a:schemeClr val="bg1">
-                    <a:lumMod val="95000"/>
-                  </a:schemeClr>
-                </a:solidFill>
-              </a:rPr>
-              <a:t> N се </a:t>
-            </a:r>
-            <a:r>
-              <a:rPr lang="ru-RU" sz="2000" dirty="0" err="1">
-                <a:solidFill>
-                  <a:schemeClr val="bg1">
-                    <a:lumMod val="95000"/>
-                  </a:schemeClr>
-                </a:solidFill>
-              </a:rPr>
-              <a:t>въвежда</a:t>
-            </a:r>
-            <a:r>
-              <a:rPr lang="ru-RU" sz="2000" dirty="0">
-                <a:solidFill>
-                  <a:schemeClr val="bg1">
-                    <a:lumMod val="95000"/>
-                  </a:schemeClr>
-                </a:solidFill>
-              </a:rPr>
-              <a:t> от </a:t>
-            </a:r>
-            <a:r>
-              <a:rPr lang="ru-RU" sz="2000" dirty="0" err="1">
-                <a:solidFill>
-                  <a:schemeClr val="bg1">
-                    <a:lumMod val="95000"/>
-                  </a:schemeClr>
-                </a:solidFill>
-              </a:rPr>
-              <a:t>конзолата</a:t>
-            </a:r>
-            <a:r>
-              <a:rPr lang="ru-RU" sz="2000" dirty="0">
-                <a:solidFill>
-                  <a:schemeClr val="bg1">
-                    <a:lumMod val="95000"/>
-                  </a:schemeClr>
-                </a:solidFill>
-              </a:rPr>
-              <a:t>.</a:t>
-            </a:r>
-          </a:p>
-          <a:p>
-            <a:pPr>
-              <a:buFont typeface="Wingdings" panose="05000000000000000000" pitchFamily="2" charset="2"/>
-              <a:buChar char="§"/>
-            </a:pPr>
-            <a:r>
-              <a:rPr lang="ru-RU" sz="2000" dirty="0">
-                <a:solidFill>
-                  <a:schemeClr val="bg1">
-                    <a:lumMod val="95000"/>
-                  </a:schemeClr>
-                </a:solidFill>
-              </a:rPr>
-              <a:t>Напишете програма, която отпечатва на конзолата числата от 1 до N, които не се делят на 3 </a:t>
-            </a:r>
-            <a:r>
-              <a:rPr lang="ru-RU" sz="2000" dirty="0" smtClean="0">
-                <a:solidFill>
-                  <a:schemeClr val="bg1">
-                    <a:lumMod val="95000"/>
-                  </a:schemeClr>
-                </a:solidFill>
-              </a:rPr>
-              <a:t>или </a:t>
-            </a:r>
-            <a:r>
-              <a:rPr lang="ru-RU" sz="2000" dirty="0">
-                <a:solidFill>
-                  <a:schemeClr val="bg1">
-                    <a:lumMod val="95000"/>
-                  </a:schemeClr>
-                </a:solidFill>
-              </a:rPr>
-              <a:t>7. </a:t>
-            </a:r>
-            <a:r>
-              <a:rPr lang="ru-RU" sz="2000" dirty="0" err="1">
-                <a:solidFill>
-                  <a:schemeClr val="bg1">
-                    <a:lumMod val="95000"/>
-                  </a:schemeClr>
-                </a:solidFill>
-              </a:rPr>
-              <a:t>Числото</a:t>
-            </a:r>
-            <a:r>
-              <a:rPr lang="ru-RU" sz="2000" dirty="0">
-                <a:solidFill>
-                  <a:schemeClr val="bg1">
-                    <a:lumMod val="95000"/>
-                  </a:schemeClr>
-                </a:solidFill>
-              </a:rPr>
-              <a:t> N се </a:t>
-            </a:r>
-            <a:r>
-              <a:rPr lang="ru-RU" sz="2000" dirty="0" err="1">
-                <a:solidFill>
-                  <a:schemeClr val="bg1">
-                    <a:lumMod val="95000"/>
-                  </a:schemeClr>
-                </a:solidFill>
-              </a:rPr>
-              <a:t>въвежда</a:t>
-            </a:r>
-            <a:r>
-              <a:rPr lang="ru-RU" sz="2000" dirty="0">
-                <a:solidFill>
-                  <a:schemeClr val="bg1">
-                    <a:lumMod val="95000"/>
-                  </a:schemeClr>
-                </a:solidFill>
-              </a:rPr>
-              <a:t> от </a:t>
-            </a:r>
-            <a:r>
-              <a:rPr lang="ru-RU" sz="2000" dirty="0" err="1">
-                <a:solidFill>
-                  <a:schemeClr val="bg1">
-                    <a:lumMod val="95000"/>
-                  </a:schemeClr>
-                </a:solidFill>
-              </a:rPr>
-              <a:t>конзолата</a:t>
-            </a:r>
-            <a:r>
-              <a:rPr lang="ru-RU" sz="2000" dirty="0">
-                <a:solidFill>
-                  <a:schemeClr val="bg1">
-                    <a:lumMod val="95000"/>
-                  </a:schemeClr>
-                </a:solidFill>
-              </a:rPr>
-              <a:t>.</a:t>
-            </a:r>
-          </a:p>
-          <a:p>
-            <a:pPr>
-              <a:buFont typeface="Wingdings" panose="05000000000000000000" pitchFamily="2" charset="2"/>
-              <a:buChar char="§"/>
-            </a:pPr>
-            <a:r>
-              <a:rPr lang="ru-RU" sz="2000" dirty="0">
-                <a:solidFill>
-                  <a:schemeClr val="bg1">
-                    <a:lumMod val="95000"/>
-                  </a:schemeClr>
-                </a:solidFill>
-              </a:rPr>
-              <a:t>Напишете </a:t>
-            </a:r>
-            <a:r>
-              <a:rPr lang="ru-RU" sz="2000" dirty="0" err="1">
-                <a:solidFill>
-                  <a:schemeClr val="bg1">
-                    <a:lumMod val="95000"/>
-                  </a:schemeClr>
-                </a:solidFill>
-              </a:rPr>
-              <a:t>програма</a:t>
-            </a:r>
-            <a:r>
-              <a:rPr lang="ru-RU" sz="2000" dirty="0">
-                <a:solidFill>
-                  <a:schemeClr val="bg1">
-                    <a:lumMod val="95000"/>
-                  </a:schemeClr>
-                </a:solidFill>
-              </a:rPr>
-              <a:t>, </a:t>
-            </a:r>
-            <a:r>
-              <a:rPr lang="ru-RU" sz="2000" dirty="0" err="1">
-                <a:solidFill>
-                  <a:schemeClr val="bg1">
-                    <a:lumMod val="95000"/>
-                  </a:schemeClr>
-                </a:solidFill>
-              </a:rPr>
-              <a:t>която</a:t>
-            </a:r>
-            <a:r>
-              <a:rPr lang="ru-RU" sz="2000" dirty="0">
-                <a:solidFill>
-                  <a:schemeClr val="bg1">
-                    <a:lumMod val="95000"/>
-                  </a:schemeClr>
-                </a:solidFill>
-              </a:rPr>
-              <a:t> чете от </a:t>
-            </a:r>
-            <a:r>
-              <a:rPr lang="ru-RU" sz="2000" dirty="0" err="1">
-                <a:solidFill>
-                  <a:schemeClr val="bg1">
-                    <a:lumMod val="95000"/>
-                  </a:schemeClr>
-                </a:solidFill>
-              </a:rPr>
-              <a:t>конзолата</a:t>
-            </a:r>
-            <a:r>
-              <a:rPr lang="ru-RU" sz="2000" dirty="0">
-                <a:solidFill>
-                  <a:schemeClr val="bg1">
-                    <a:lumMod val="95000"/>
-                  </a:schemeClr>
-                </a:solidFill>
-              </a:rPr>
-              <a:t> </a:t>
-            </a:r>
-            <a:r>
-              <a:rPr lang="ru-RU" sz="2000" dirty="0" err="1">
-                <a:solidFill>
-                  <a:schemeClr val="bg1">
-                    <a:lumMod val="95000"/>
-                  </a:schemeClr>
-                </a:solidFill>
-              </a:rPr>
-              <a:t>поредица</a:t>
-            </a:r>
-            <a:r>
-              <a:rPr lang="ru-RU" sz="2000" dirty="0">
-                <a:solidFill>
-                  <a:schemeClr val="bg1">
-                    <a:lumMod val="95000"/>
-                  </a:schemeClr>
-                </a:solidFill>
-              </a:rPr>
-              <a:t> от цели числа (примерно 5 числа) и </a:t>
-            </a:r>
-            <a:r>
-              <a:rPr lang="ru-RU" sz="2000" dirty="0" err="1">
-                <a:solidFill>
-                  <a:schemeClr val="bg1">
-                    <a:lumMod val="95000"/>
-                  </a:schemeClr>
-                </a:solidFill>
-              </a:rPr>
-              <a:t>отпечатва</a:t>
-            </a:r>
-            <a:r>
-              <a:rPr lang="ru-RU" sz="2000" dirty="0">
-                <a:solidFill>
-                  <a:schemeClr val="bg1">
-                    <a:lumMod val="95000"/>
-                  </a:schemeClr>
-                </a:solidFill>
-              </a:rPr>
-              <a:t> </a:t>
-            </a:r>
-            <a:r>
-              <a:rPr lang="ru-RU" sz="2000" dirty="0" err="1">
-                <a:solidFill>
-                  <a:schemeClr val="bg1">
-                    <a:lumMod val="95000"/>
-                  </a:schemeClr>
-                </a:solidFill>
-              </a:rPr>
-              <a:t>най-малкото</a:t>
-            </a:r>
-            <a:r>
-              <a:rPr lang="ru-RU" sz="2000" dirty="0">
-                <a:solidFill>
-                  <a:schemeClr val="bg1">
-                    <a:lumMod val="95000"/>
-                  </a:schemeClr>
-                </a:solidFill>
-              </a:rPr>
-              <a:t> и </a:t>
-            </a:r>
-            <a:r>
-              <a:rPr lang="ru-RU" sz="2000" dirty="0" err="1">
-                <a:solidFill>
-                  <a:schemeClr val="bg1">
-                    <a:lumMod val="95000"/>
-                  </a:schemeClr>
-                </a:solidFill>
-              </a:rPr>
-              <a:t>най-голямото</a:t>
-            </a:r>
-            <a:r>
-              <a:rPr lang="ru-RU" sz="2000" dirty="0">
-                <a:solidFill>
-                  <a:schemeClr val="bg1">
-                    <a:lumMod val="95000"/>
-                  </a:schemeClr>
-                </a:solidFill>
-              </a:rPr>
-              <a:t> от </a:t>
-            </a:r>
-            <a:r>
-              <a:rPr lang="ru-RU" sz="2000" dirty="0" err="1">
-                <a:solidFill>
-                  <a:schemeClr val="bg1">
-                    <a:lumMod val="95000"/>
-                  </a:schemeClr>
-                </a:solidFill>
-              </a:rPr>
-              <a:t>тях</a:t>
-            </a:r>
-            <a:r>
-              <a:rPr lang="ru-RU" sz="2000" dirty="0">
-                <a:solidFill>
-                  <a:schemeClr val="bg1">
-                    <a:lumMod val="95000"/>
-                  </a:schemeClr>
-                </a:solidFill>
-              </a:rPr>
-              <a:t>.</a:t>
-            </a:r>
-          </a:p>
-          <a:p>
-            <a:pPr>
-              <a:buFont typeface="Wingdings" panose="05000000000000000000" pitchFamily="2" charset="2"/>
-              <a:buChar char="§"/>
-            </a:pPr>
-            <a:r>
-              <a:rPr lang="ru-RU" sz="2000" dirty="0">
-                <a:solidFill>
-                  <a:schemeClr val="bg1">
-                    <a:lumMod val="95000"/>
-                  </a:schemeClr>
-                </a:solidFill>
-              </a:rPr>
-              <a:t>Направете програма, която извежда на конзолата всички числа от 1 до 100, които се делят или на 7, или на 11, без </a:t>
-            </a:r>
-            <a:r>
-              <a:rPr lang="ru-RU" sz="2000" dirty="0" smtClean="0">
-                <a:solidFill>
-                  <a:schemeClr val="bg1">
-                    <a:lumMod val="95000"/>
-                  </a:schemeClr>
-                </a:solidFill>
-              </a:rPr>
-              <a:t>остатък.</a:t>
-            </a:r>
-            <a:r>
-              <a:rPr lang="en-US" sz="2000" dirty="0" smtClean="0">
-                <a:solidFill>
-                  <a:schemeClr val="bg1">
-                    <a:lumMod val="95000"/>
-                  </a:schemeClr>
-                </a:solidFill>
-              </a:rPr>
-              <a:t> </a:t>
-            </a:r>
-            <a:r>
-              <a:rPr lang="ru-RU" sz="2000" dirty="0" smtClean="0">
-                <a:solidFill>
-                  <a:schemeClr val="bg1">
-                    <a:lumMod val="95000"/>
-                  </a:schemeClr>
-                </a:solidFill>
-              </a:rPr>
-              <a:t>Решете </a:t>
-            </a:r>
-            <a:r>
-              <a:rPr lang="ru-RU" sz="2000" dirty="0">
-                <a:solidFill>
-                  <a:schemeClr val="bg1">
-                    <a:lumMod val="95000"/>
-                  </a:schemeClr>
-                </a:solidFill>
-              </a:rPr>
-              <a:t>задачата по 3 различни начина: с трите цикли от </a:t>
-            </a:r>
-            <a:r>
-              <a:rPr lang="ru-RU" sz="2000" dirty="0" smtClean="0">
-                <a:solidFill>
-                  <a:schemeClr val="bg1">
-                    <a:lumMod val="95000"/>
-                  </a:schemeClr>
-                </a:solidFill>
-              </a:rPr>
-              <a:t>лекцията</a:t>
-            </a:r>
-            <a:endParaRPr lang="en-US" sz="2000" dirty="0" smtClean="0">
+            <a:endParaRPr lang="en-US" dirty="0">
               <a:solidFill>
                 <a:schemeClr val="bg1">
                   <a:lumMod val="95000"/>
@@ -6904,42 +6448,7 @@
               <a:buFont typeface="Wingdings" panose="05000000000000000000" pitchFamily="2" charset="2"/>
               <a:buChar char="§"/>
             </a:pPr>
-            <a:r>
-              <a:rPr lang="ru-RU" sz="2000" dirty="0">
-                <a:solidFill>
-                  <a:schemeClr val="bg1">
-                    <a:lumMod val="95000"/>
-                  </a:schemeClr>
-                </a:solidFill>
-              </a:rPr>
-              <a:t>Напишете програма, която кара потребителя </a:t>
-            </a:r>
-            <a:r>
-              <a:rPr lang="ru-RU" sz="2000" dirty="0" smtClean="0">
-                <a:solidFill>
-                  <a:schemeClr val="bg1">
-                    <a:lumMod val="95000"/>
-                  </a:schemeClr>
-                </a:solidFill>
-              </a:rPr>
-              <a:t>да </a:t>
-            </a:r>
-            <a:r>
-              <a:rPr lang="ru-RU" sz="2000" dirty="0">
-                <a:solidFill>
-                  <a:schemeClr val="bg1">
-                    <a:lumMod val="95000"/>
-                  </a:schemeClr>
-                </a:solidFill>
-              </a:rPr>
-              <a:t>въвежда числа и ги сумира. Края на програмата настъпва, единствено когато потребителя въведе числото 0.</a:t>
-            </a:r>
-          </a:p>
-          <a:p>
-            <a:pPr marL="0" indent="0">
-              <a:buNone/>
-            </a:pPr>
-            <a:endParaRPr lang="ru-RU" sz="2000" dirty="0">
+            <a:endParaRPr lang="en-US" dirty="0">
               <a:solidFill>
                 <a:schemeClr val="bg1">
                   <a:lumMod val="95000"/>
@@ -6947,12 +6456,79 @@
               </a:solidFill>
             </a:endParaRPr>
           </a:p>
-        </p:txBody>
-      </p:sp>
+          <a:p>
+            <a:pPr>
+              <a:buFont typeface="Wingdings" panose="05000000000000000000" pitchFamily="2" charset="2"/>
+              <a:buChar char="§"/>
+            </a:pPr>
+            <a:endParaRPr lang="en-US" dirty="0">
+              <a:solidFill>
+                <a:schemeClr val="bg1">
+                  <a:lumMod val="95000"/>
+                </a:schemeClr>
+              </a:solidFill>
+            </a:endParaRPr>
+          </a:p>
+          <a:p>
+            <a:pPr>
+              <a:buFont typeface="Wingdings" panose="05000000000000000000" pitchFamily="2" charset="2"/>
+              <a:buChar char="§"/>
+            </a:pPr>
+            <a:endParaRPr lang="en-US" dirty="0">
+              <a:solidFill>
+                <a:schemeClr val="bg1">
+                  <a:lumMod val="95000"/>
+                </a:schemeClr>
+              </a:solidFill>
+            </a:endParaRPr>
+          </a:p>
+        </p:txBody>
+      </p:sp>
+      <p:pic>
+        <p:nvPicPr>
+          <p:cNvPr id="1027" name="Picture 3" descr="C:\Users\Lazar\Desktop\01-red-question-mark1.jpg"/>
+          <p:cNvPicPr>
+            <a:picLocks noChangeAspect="1" noChangeArrowheads="1"/>
+          </p:cNvPicPr>
+          <p:nvPr/>
+        </p:nvPicPr>
+        <p:blipFill>
+          <a:blip r:embed="rId2" cstate="print">
+            <a:extLst>
+              <a:ext uri="{28A0092B-C50C-407E-A947-70E740481C1C}">
+                <a14:useLocalDpi xmlns:a14="http://schemas.microsoft.com/office/drawing/2010/main" val="0"/>
+              </a:ext>
+            </a:extLst>
+          </a:blip>
+          <a:srcRect/>
+          <a:stretch>
+            <a:fillRect/>
+          </a:stretch>
+        </p:blipFill>
+        <p:spPr bwMode="auto">
+          <a:xfrm>
+            <a:off x="3505200" y="2057400"/>
+            <a:ext cx="2419082" cy="2419082"/>
+          </a:xfrm>
+          <a:prstGeom prst="rect">
+            <a:avLst/>
+          </a:prstGeom>
+          <a:noFill/>
+          <a:extLst>
+            <a:ext uri="{909E8E84-426E-40DD-AFC4-6F175D3DCCD1}">
+              <a14:hiddenFill xmlns:a14="http://schemas.microsoft.com/office/drawing/2010/main">
+                <a:solidFill>
+                  <a:srgbClr val="FFFFFF"/>
+                </a:solidFill>
+              </a14:hiddenFill>
+            </a:ext>
+          </a:extLst>
+        </p:spPr>
+      </p:pic>
     </p:spTree>
     <p:extLst>
       <p:ext uri="{BB962C8B-B14F-4D97-AF65-F5344CB8AC3E}">
-        <p14:creationId xmlns:p14="http://schemas.microsoft.com/office/powerpoint/2010/main" val="2116233219"/>
+        <p14:creationId xmlns:p14="http://schemas.microsoft.com/office/powerpoint/2010/main" val="3854716579"/>
       </p:ext>
     </p:extLst>
   </p:cSld>
@@ -7044,6 +6620,741 @@
             <a:noAutofit/>
           </a:bodyPr>
           <a:lstStyle/>
+          <a:p>
+            <a:pPr>
+              <a:buFont typeface="Wingdings" panose="05000000000000000000" pitchFamily="2" charset="2"/>
+              <a:buChar char="§"/>
+            </a:pPr>
+            <a:r>
+              <a:rPr lang="ru-RU" sz="2000" dirty="0">
+                <a:solidFill>
+                  <a:schemeClr val="bg1">
+                    <a:lumMod val="95000"/>
+                  </a:schemeClr>
+                </a:solidFill>
+              </a:rPr>
+              <a:t>Напишете </a:t>
+            </a:r>
+            <a:r>
+              <a:rPr lang="ru-RU" sz="2000" dirty="0" err="1">
+                <a:solidFill>
+                  <a:schemeClr val="bg1">
+                    <a:lumMod val="95000"/>
+                  </a:schemeClr>
+                </a:solidFill>
+              </a:rPr>
+              <a:t>програма</a:t>
+            </a:r>
+            <a:r>
+              <a:rPr lang="ru-RU" sz="2000" dirty="0">
+                <a:solidFill>
+                  <a:schemeClr val="bg1">
+                    <a:lumMod val="95000"/>
+                  </a:schemeClr>
+                </a:solidFill>
+              </a:rPr>
+              <a:t>, </a:t>
+            </a:r>
+            <a:r>
+              <a:rPr lang="ru-RU" sz="2000" dirty="0" err="1">
+                <a:solidFill>
+                  <a:schemeClr val="bg1">
+                    <a:lumMod val="95000"/>
+                  </a:schemeClr>
+                </a:solidFill>
+              </a:rPr>
+              <a:t>която</a:t>
+            </a:r>
+            <a:r>
+              <a:rPr lang="ru-RU" sz="2000" dirty="0">
+                <a:solidFill>
+                  <a:schemeClr val="bg1">
+                    <a:lumMod val="95000"/>
+                  </a:schemeClr>
+                </a:solidFill>
+              </a:rPr>
+              <a:t> </a:t>
+            </a:r>
+            <a:r>
+              <a:rPr lang="ru-RU" sz="2000" dirty="0" err="1">
+                <a:solidFill>
+                  <a:schemeClr val="bg1">
+                    <a:lumMod val="95000"/>
+                  </a:schemeClr>
+                </a:solidFill>
+              </a:rPr>
+              <a:t>отпечатва</a:t>
+            </a:r>
+            <a:r>
+              <a:rPr lang="ru-RU" sz="2000" dirty="0">
+                <a:solidFill>
+                  <a:schemeClr val="bg1">
+                    <a:lumMod val="95000"/>
+                  </a:schemeClr>
+                </a:solidFill>
+              </a:rPr>
+              <a:t> на </a:t>
+            </a:r>
+            <a:r>
+              <a:rPr lang="ru-RU" sz="2000" dirty="0" err="1">
+                <a:solidFill>
+                  <a:schemeClr val="bg1">
+                    <a:lumMod val="95000"/>
+                  </a:schemeClr>
+                </a:solidFill>
+              </a:rPr>
+              <a:t>конзолата</a:t>
+            </a:r>
+            <a:r>
+              <a:rPr lang="ru-RU" sz="2000" dirty="0">
+                <a:solidFill>
+                  <a:schemeClr val="bg1">
+                    <a:lumMod val="95000"/>
+                  </a:schemeClr>
+                </a:solidFill>
+              </a:rPr>
+              <a:t> </a:t>
+            </a:r>
+            <a:r>
+              <a:rPr lang="ru-RU" sz="2000" dirty="0" err="1">
+                <a:solidFill>
+                  <a:schemeClr val="bg1">
+                    <a:lumMod val="95000"/>
+                  </a:schemeClr>
+                </a:solidFill>
+              </a:rPr>
+              <a:t>числата</a:t>
+            </a:r>
+            <a:r>
+              <a:rPr lang="ru-RU" sz="2000" dirty="0">
+                <a:solidFill>
+                  <a:schemeClr val="bg1">
+                    <a:lumMod val="95000"/>
+                  </a:schemeClr>
+                </a:solidFill>
+              </a:rPr>
+              <a:t> от 1 до N. </a:t>
+            </a:r>
+            <a:r>
+              <a:rPr lang="ru-RU" sz="2000" dirty="0" err="1">
+                <a:solidFill>
+                  <a:schemeClr val="bg1">
+                    <a:lumMod val="95000"/>
+                  </a:schemeClr>
+                </a:solidFill>
+              </a:rPr>
+              <a:t>Числото</a:t>
+            </a:r>
+            <a:r>
+              <a:rPr lang="ru-RU" sz="2000" dirty="0">
+                <a:solidFill>
+                  <a:schemeClr val="bg1">
+                    <a:lumMod val="95000"/>
+                  </a:schemeClr>
+                </a:solidFill>
+              </a:rPr>
+              <a:t> N се </a:t>
+            </a:r>
+            <a:r>
+              <a:rPr lang="ru-RU" sz="2000" dirty="0" err="1">
+                <a:solidFill>
+                  <a:schemeClr val="bg1">
+                    <a:lumMod val="95000"/>
+                  </a:schemeClr>
+                </a:solidFill>
+              </a:rPr>
+              <a:t>въвежда</a:t>
+            </a:r>
+            <a:r>
+              <a:rPr lang="ru-RU" sz="2000" dirty="0">
+                <a:solidFill>
+                  <a:schemeClr val="bg1">
+                    <a:lumMod val="95000"/>
+                  </a:schemeClr>
+                </a:solidFill>
+              </a:rPr>
+              <a:t> от </a:t>
+            </a:r>
+            <a:r>
+              <a:rPr lang="ru-RU" sz="2000" dirty="0" err="1">
+                <a:solidFill>
+                  <a:schemeClr val="bg1">
+                    <a:lumMod val="95000"/>
+                  </a:schemeClr>
+                </a:solidFill>
+              </a:rPr>
+              <a:t>конзолата</a:t>
+            </a:r>
+            <a:r>
+              <a:rPr lang="ru-RU" sz="2000" dirty="0">
+                <a:solidFill>
+                  <a:schemeClr val="bg1">
+                    <a:lumMod val="95000"/>
+                  </a:schemeClr>
+                </a:solidFill>
+              </a:rPr>
+              <a:t>.</a:t>
+            </a:r>
+          </a:p>
+          <a:p>
+            <a:pPr>
+              <a:buFont typeface="Wingdings" panose="05000000000000000000" pitchFamily="2" charset="2"/>
+              <a:buChar char="§"/>
+            </a:pPr>
+            <a:r>
+              <a:rPr lang="ru-RU" sz="2000" dirty="0">
+                <a:solidFill>
+                  <a:schemeClr val="bg1">
+                    <a:lumMod val="95000"/>
+                  </a:schemeClr>
+                </a:solidFill>
+              </a:rPr>
+              <a:t>Напишете програма, която отпечатва на конзолата числата от 1 до N, които не се делят на 3 </a:t>
+            </a:r>
+            <a:r>
+              <a:rPr lang="ru-RU" sz="2000" dirty="0" smtClean="0">
+                <a:solidFill>
+                  <a:schemeClr val="bg1">
+                    <a:lumMod val="95000"/>
+                  </a:schemeClr>
+                </a:solidFill>
+              </a:rPr>
+              <a:t>или </a:t>
+            </a:r>
+            <a:r>
+              <a:rPr lang="ru-RU" sz="2000" dirty="0">
+                <a:solidFill>
+                  <a:schemeClr val="bg1">
+                    <a:lumMod val="95000"/>
+                  </a:schemeClr>
+                </a:solidFill>
+              </a:rPr>
+              <a:t>7. </a:t>
+            </a:r>
+            <a:r>
+              <a:rPr lang="ru-RU" sz="2000" dirty="0" err="1">
+                <a:solidFill>
+                  <a:schemeClr val="bg1">
+                    <a:lumMod val="95000"/>
+                  </a:schemeClr>
+                </a:solidFill>
+              </a:rPr>
+              <a:t>Числото</a:t>
+            </a:r>
+            <a:r>
+              <a:rPr lang="ru-RU" sz="2000" dirty="0">
+                <a:solidFill>
+                  <a:schemeClr val="bg1">
+                    <a:lumMod val="95000"/>
+                  </a:schemeClr>
+                </a:solidFill>
+              </a:rPr>
+              <a:t> N се </a:t>
+            </a:r>
+            <a:r>
+              <a:rPr lang="ru-RU" sz="2000" dirty="0" err="1">
+                <a:solidFill>
+                  <a:schemeClr val="bg1">
+                    <a:lumMod val="95000"/>
+                  </a:schemeClr>
+                </a:solidFill>
+              </a:rPr>
+              <a:t>въвежда</a:t>
+            </a:r>
+            <a:r>
+              <a:rPr lang="ru-RU" sz="2000" dirty="0">
+                <a:solidFill>
+                  <a:schemeClr val="bg1">
+                    <a:lumMod val="95000"/>
+                  </a:schemeClr>
+                </a:solidFill>
+              </a:rPr>
+              <a:t> от </a:t>
+            </a:r>
+            <a:r>
+              <a:rPr lang="ru-RU" sz="2000" dirty="0" err="1">
+                <a:solidFill>
+                  <a:schemeClr val="bg1">
+                    <a:lumMod val="95000"/>
+                  </a:schemeClr>
+                </a:solidFill>
+              </a:rPr>
+              <a:t>конзолата</a:t>
+            </a:r>
+            <a:r>
+              <a:rPr lang="ru-RU" sz="2000" dirty="0">
+                <a:solidFill>
+                  <a:schemeClr val="bg1">
+                    <a:lumMod val="95000"/>
+                  </a:schemeClr>
+                </a:solidFill>
+              </a:rPr>
+              <a:t>.</a:t>
+            </a:r>
+          </a:p>
+          <a:p>
+            <a:pPr>
+              <a:buFont typeface="Wingdings" panose="05000000000000000000" pitchFamily="2" charset="2"/>
+              <a:buChar char="§"/>
+            </a:pPr>
+            <a:r>
+              <a:rPr lang="ru-RU" sz="2000" dirty="0">
+                <a:solidFill>
+                  <a:schemeClr val="bg1">
+                    <a:lumMod val="95000"/>
+                  </a:schemeClr>
+                </a:solidFill>
+              </a:rPr>
+              <a:t>Напишете </a:t>
+            </a:r>
+            <a:r>
+              <a:rPr lang="ru-RU" sz="2000" dirty="0" err="1">
+                <a:solidFill>
+                  <a:schemeClr val="bg1">
+                    <a:lumMod val="95000"/>
+                  </a:schemeClr>
+                </a:solidFill>
+              </a:rPr>
+              <a:t>програма</a:t>
+            </a:r>
+            <a:r>
+              <a:rPr lang="ru-RU" sz="2000" dirty="0">
+                <a:solidFill>
+                  <a:schemeClr val="bg1">
+                    <a:lumMod val="95000"/>
+                  </a:schemeClr>
+                </a:solidFill>
+              </a:rPr>
+              <a:t>, </a:t>
+            </a:r>
+            <a:r>
+              <a:rPr lang="ru-RU" sz="2000" dirty="0" err="1">
+                <a:solidFill>
+                  <a:schemeClr val="bg1">
+                    <a:lumMod val="95000"/>
+                  </a:schemeClr>
+                </a:solidFill>
+              </a:rPr>
+              <a:t>която</a:t>
+            </a:r>
+            <a:r>
+              <a:rPr lang="ru-RU" sz="2000" dirty="0">
+                <a:solidFill>
+                  <a:schemeClr val="bg1">
+                    <a:lumMod val="95000"/>
+                  </a:schemeClr>
+                </a:solidFill>
+              </a:rPr>
+              <a:t> чете от </a:t>
+            </a:r>
+            <a:r>
+              <a:rPr lang="ru-RU" sz="2000" dirty="0" err="1">
+                <a:solidFill>
+                  <a:schemeClr val="bg1">
+                    <a:lumMod val="95000"/>
+                  </a:schemeClr>
+                </a:solidFill>
+              </a:rPr>
+              <a:t>конзолата</a:t>
+            </a:r>
+            <a:r>
+              <a:rPr lang="ru-RU" sz="2000" dirty="0">
+                <a:solidFill>
+                  <a:schemeClr val="bg1">
+                    <a:lumMod val="95000"/>
+                  </a:schemeClr>
+                </a:solidFill>
+              </a:rPr>
+              <a:t> </a:t>
+            </a:r>
+            <a:r>
+              <a:rPr lang="ru-RU" sz="2000" dirty="0" err="1">
+                <a:solidFill>
+                  <a:schemeClr val="bg1">
+                    <a:lumMod val="95000"/>
+                  </a:schemeClr>
+                </a:solidFill>
+              </a:rPr>
+              <a:t>поредица</a:t>
+            </a:r>
+            <a:r>
+              <a:rPr lang="ru-RU" sz="2000" dirty="0">
+                <a:solidFill>
+                  <a:schemeClr val="bg1">
+                    <a:lumMod val="95000"/>
+                  </a:schemeClr>
+                </a:solidFill>
+              </a:rPr>
+              <a:t> от цели числа (примерно 5 числа) и </a:t>
+            </a:r>
+            <a:r>
+              <a:rPr lang="ru-RU" sz="2000" dirty="0" err="1">
+                <a:solidFill>
+                  <a:schemeClr val="bg1">
+                    <a:lumMod val="95000"/>
+                  </a:schemeClr>
+                </a:solidFill>
+              </a:rPr>
+              <a:t>отпечатва</a:t>
+            </a:r>
+            <a:r>
+              <a:rPr lang="ru-RU" sz="2000" dirty="0">
+                <a:solidFill>
+                  <a:schemeClr val="bg1">
+                    <a:lumMod val="95000"/>
+                  </a:schemeClr>
+                </a:solidFill>
+              </a:rPr>
+              <a:t> </a:t>
+            </a:r>
+            <a:r>
+              <a:rPr lang="ru-RU" sz="2000" dirty="0" err="1">
+                <a:solidFill>
+                  <a:schemeClr val="bg1">
+                    <a:lumMod val="95000"/>
+                  </a:schemeClr>
+                </a:solidFill>
+              </a:rPr>
+              <a:t>най-малкото</a:t>
+            </a:r>
+            <a:r>
+              <a:rPr lang="ru-RU" sz="2000" dirty="0">
+                <a:solidFill>
+                  <a:schemeClr val="bg1">
+                    <a:lumMod val="95000"/>
+                  </a:schemeClr>
+                </a:solidFill>
+              </a:rPr>
+              <a:t> и </a:t>
+            </a:r>
+            <a:r>
+              <a:rPr lang="ru-RU" sz="2000" dirty="0" err="1">
+                <a:solidFill>
+                  <a:schemeClr val="bg1">
+                    <a:lumMod val="95000"/>
+                  </a:schemeClr>
+                </a:solidFill>
+              </a:rPr>
+              <a:t>най-голямото</a:t>
+            </a:r>
+            <a:r>
+              <a:rPr lang="ru-RU" sz="2000" dirty="0">
+                <a:solidFill>
+                  <a:schemeClr val="bg1">
+                    <a:lumMod val="95000"/>
+                  </a:schemeClr>
+                </a:solidFill>
+              </a:rPr>
+              <a:t> от </a:t>
+            </a:r>
+            <a:r>
+              <a:rPr lang="ru-RU" sz="2000" dirty="0" err="1">
+                <a:solidFill>
+                  <a:schemeClr val="bg1">
+                    <a:lumMod val="95000"/>
+                  </a:schemeClr>
+                </a:solidFill>
+              </a:rPr>
+              <a:t>тях</a:t>
+            </a:r>
+            <a:r>
+              <a:rPr lang="ru-RU" sz="2000" dirty="0">
+                <a:solidFill>
+                  <a:schemeClr val="bg1">
+                    <a:lumMod val="95000"/>
+                  </a:schemeClr>
+                </a:solidFill>
+              </a:rPr>
+              <a:t>.</a:t>
+            </a:r>
+          </a:p>
+          <a:p>
+            <a:pPr>
+              <a:buFont typeface="Wingdings" panose="05000000000000000000" pitchFamily="2" charset="2"/>
+              <a:buChar char="§"/>
+            </a:pPr>
+            <a:r>
+              <a:rPr lang="ru-RU" sz="2000" dirty="0">
+                <a:solidFill>
+                  <a:schemeClr val="bg1">
+                    <a:lumMod val="95000"/>
+                  </a:schemeClr>
+                </a:solidFill>
+              </a:rPr>
+              <a:t>Направете програма, която извежда на конзолата всички числа от 1 до 100, които се делят или на 7, или на 11, без </a:t>
+            </a:r>
+            <a:r>
+              <a:rPr lang="ru-RU" sz="2000" dirty="0" smtClean="0">
+                <a:solidFill>
+                  <a:schemeClr val="bg1">
+                    <a:lumMod val="95000"/>
+                  </a:schemeClr>
+                </a:solidFill>
+              </a:rPr>
+              <a:t>остатък.</a:t>
+            </a:r>
+            <a:r>
+              <a:rPr lang="en-US" sz="2000" dirty="0" smtClean="0">
+                <a:solidFill>
+                  <a:schemeClr val="bg1">
+                    <a:lumMod val="95000"/>
+                  </a:schemeClr>
+                </a:solidFill>
+              </a:rPr>
+              <a:t> </a:t>
+            </a:r>
+            <a:r>
+              <a:rPr lang="ru-RU" sz="2000" dirty="0" smtClean="0">
+                <a:solidFill>
+                  <a:schemeClr val="bg1">
+                    <a:lumMod val="95000"/>
+                  </a:schemeClr>
+                </a:solidFill>
+              </a:rPr>
+              <a:t>Решете </a:t>
+            </a:r>
+            <a:r>
+              <a:rPr lang="ru-RU" sz="2000" dirty="0">
+                <a:solidFill>
+                  <a:schemeClr val="bg1">
+                    <a:lumMod val="95000"/>
+                  </a:schemeClr>
+                </a:solidFill>
+              </a:rPr>
+              <a:t>задачата по 3 различни начина: с трите цикли от </a:t>
+            </a:r>
+            <a:r>
+              <a:rPr lang="ru-RU" sz="2000" dirty="0" smtClean="0">
+                <a:solidFill>
+                  <a:schemeClr val="bg1">
+                    <a:lumMod val="95000"/>
+                  </a:schemeClr>
+                </a:solidFill>
+              </a:rPr>
+              <a:t>лекцията</a:t>
+            </a:r>
+            <a:endParaRPr lang="en-US" sz="2000" dirty="0" smtClean="0">
+              <a:solidFill>
+                <a:schemeClr val="bg1">
+                  <a:lumMod val="95000"/>
+                </a:schemeClr>
+              </a:solidFill>
+            </a:endParaRPr>
+          </a:p>
+          <a:p>
+            <a:pPr>
+              <a:buFont typeface="Wingdings" panose="05000000000000000000" pitchFamily="2" charset="2"/>
+              <a:buChar char="§"/>
+            </a:pPr>
+            <a:r>
+              <a:rPr lang="ru-RU" sz="2000" dirty="0">
+                <a:solidFill>
+                  <a:schemeClr val="bg1">
+                    <a:lumMod val="95000"/>
+                  </a:schemeClr>
+                </a:solidFill>
+              </a:rPr>
+              <a:t>Напишете програма, която кара потребителя </a:t>
+            </a:r>
+            <a:r>
+              <a:rPr lang="ru-RU" sz="2000" dirty="0" smtClean="0">
+                <a:solidFill>
+                  <a:schemeClr val="bg1">
+                    <a:lumMod val="95000"/>
+                  </a:schemeClr>
+                </a:solidFill>
+              </a:rPr>
+              <a:t>да </a:t>
+            </a:r>
+            <a:r>
+              <a:rPr lang="ru-RU" sz="2000" dirty="0">
+                <a:solidFill>
+                  <a:schemeClr val="bg1">
+                    <a:lumMod val="95000"/>
+                  </a:schemeClr>
+                </a:solidFill>
+              </a:rPr>
+              <a:t>въвежда числа и ги сумира. Края на програмата настъпва, единствено когато потребителя въведе числото 0.</a:t>
+            </a:r>
+          </a:p>
+          <a:p>
+            <a:pPr marL="0" indent="0">
+              <a:buNone/>
+            </a:pPr>
+            <a:endParaRPr lang="ru-RU" sz="2000" dirty="0">
+              <a:solidFill>
+                <a:schemeClr val="bg1">
+                  <a:lumMod val="95000"/>
+                </a:schemeClr>
+              </a:solidFill>
+            </a:endParaRPr>
+          </a:p>
+        </p:txBody>
+      </p:sp>
+    </p:spTree>
+    <p:extLst>
+      <p:ext uri="{BB962C8B-B14F-4D97-AF65-F5344CB8AC3E}">
+        <p14:creationId xmlns:p14="http://schemas.microsoft.com/office/powerpoint/2010/main" val="2116233219"/>
+      </p:ext>
+    </p:extLst>
+  </p:cSld>
+  <p:clrMapOvr>
+    <a:masterClrMapping/>
+  </p:clrMapOvr>
+  <p:timing>
+    <p:tnLst>
+      <p:par>
+        <p:cTn id="1" dur="indefinite" restart="never" nodeType="tmRoot"/>
+      </p:par>
+    </p:tnLst>
+  </p:timing>
+</p:sld>
+</file>
+
+<file path=ppt/slides/slide22.xml><?xml version="1.0" encoding="utf-8"?>
+<p:sld xmlns:a="http://schemas.openxmlformats.org/drawingml/2006/main" xmlns:r="http://schemas.openxmlformats.org/officeDocument/2006/relationships" xmlns:p="http://schemas.openxmlformats.org/presentationml/2006/main">
+  <p:cSld>
+    <p:spTree>
+      <p:nvGrpSpPr>
+        <p:cNvPr id="1" name=""/>
+        <p:cNvGrpSpPr/>
+        <p:nvPr/>
+      </p:nvGrpSpPr>
+      <p:grpSpPr>
+        <a:xfrm>
+          <a:off x="0" y="0"/>
+          <a:ext cx="0" cy="0"/>
+          <a:chOff x="0" y="0"/>
+          <a:chExt cx="0" cy="0"/>
+        </a:xfrm>
+      </p:grpSpPr>
+      <p:sp>
+        <p:nvSpPr>
+          <p:cNvPr id="2" name="Title 1"/>
+          <p:cNvSpPr>
+            <a:spLocks noGrp="1"/>
+          </p:cNvSpPr>
+          <p:nvPr>
+            <p:ph type="title"/>
+          </p:nvPr>
+        </p:nvSpPr>
+        <p:spPr>
+          <a:xfrm>
+            <a:off x="838200" y="685800"/>
+            <a:ext cx="8229600" cy="1143000"/>
+          </a:xfrm>
+        </p:spPr>
+        <p:txBody>
+          <a:bodyPr/>
+          <a:lstStyle/>
+          <a:p>
+            <a:pPr algn="l"/>
+            <a:r>
+              <a:rPr lang="bg-BG" dirty="0" smtClean="0">
+                <a:solidFill>
+                  <a:schemeClr val="accent6"/>
+                </a:solidFill>
+              </a:rPr>
+              <a:t>Задачи за домашна работа</a:t>
+            </a:r>
+            <a:endParaRPr lang="bg-BG" dirty="0">
+              <a:solidFill>
+                <a:schemeClr val="accent6"/>
+              </a:solidFill>
+            </a:endParaRPr>
+          </a:p>
+        </p:txBody>
+      </p:sp>
+      <p:sp>
+        <p:nvSpPr>
+          <p:cNvPr id="3" name="Content Placeholder 2"/>
+          <p:cNvSpPr>
+            <a:spLocks noGrp="1"/>
+          </p:cNvSpPr>
+          <p:nvPr>
+            <p:ph idx="1"/>
+          </p:nvPr>
+        </p:nvSpPr>
+        <p:spPr>
+          <a:xfrm>
+            <a:off x="762000" y="1676400"/>
+            <a:ext cx="7620000" cy="4876800"/>
+          </a:xfrm>
+        </p:spPr>
+        <p:txBody>
+          <a:bodyPr>
+            <a:noAutofit/>
+          </a:bodyPr>
+          <a:lstStyle/>
+          <a:p>
+            <a:pPr>
+              <a:buFont typeface="Wingdings" panose="05000000000000000000" pitchFamily="2" charset="2"/>
+              <a:buChar char="§"/>
+            </a:pPr>
+            <a:r>
+              <a:rPr lang="ru-RU" sz="2000" dirty="0">
+                <a:solidFill>
+                  <a:schemeClr val="bg1"/>
+                </a:solidFill>
+              </a:rPr>
+              <a:t>Напишете програма която пресмята с колко </a:t>
+            </a:r>
+            <a:r>
+              <a:rPr lang="ru-RU" sz="2000" dirty="0" smtClean="0">
+                <a:solidFill>
+                  <a:schemeClr val="bg1"/>
+                </a:solidFill>
+              </a:rPr>
+              <a:t>0ли</a:t>
+            </a:r>
+            <a:r>
+              <a:rPr lang="en-US" sz="2000" dirty="0" smtClean="0">
+                <a:solidFill>
+                  <a:schemeClr val="bg1"/>
+                </a:solidFill>
+              </a:rPr>
+              <a:t> </a:t>
+            </a:r>
+            <a:r>
+              <a:rPr lang="bg-BG" sz="2000" dirty="0" smtClean="0">
+                <a:solidFill>
+                  <a:schemeClr val="bg1"/>
+                </a:solidFill>
+              </a:rPr>
+              <a:t>завършва</a:t>
+            </a:r>
+            <a:r>
+              <a:rPr lang="ru-RU" sz="2000" dirty="0" smtClean="0">
+                <a:solidFill>
+                  <a:schemeClr val="bg1"/>
+                </a:solidFill>
+              </a:rPr>
+              <a:t> </a:t>
+            </a:r>
+            <a:r>
+              <a:rPr lang="ru-RU" sz="2000" dirty="0">
+                <a:solidFill>
+                  <a:schemeClr val="bg1"/>
+                </a:solidFill>
+              </a:rPr>
+              <a:t>факториелът на дадено число</a:t>
+            </a:r>
+            <a:r>
+              <a:rPr lang="ru-RU" sz="2000" dirty="0" smtClean="0">
+                <a:solidFill>
+                  <a:schemeClr val="bg1"/>
+                </a:solidFill>
+              </a:rPr>
+              <a:t>.</a:t>
+            </a:r>
+            <a:endParaRPr lang="ru-RU" sz="2000" dirty="0" smtClean="0">
+              <a:solidFill>
+                <a:schemeClr val="bg1">
+                  <a:lumMod val="95000"/>
+                </a:schemeClr>
+              </a:solidFill>
+            </a:endParaRPr>
+          </a:p>
           <a:p>
             <a:pPr>
               <a:buFont typeface="Wingdings" panose="05000000000000000000" pitchFamily="2" charset="2"/>
